--- a/Session1.pptx
+++ b/Session1.pptx
@@ -5,7 +5,7 @@
     <p:sldMasterId id="2147483660" r:id="rId1"/>
   </p:sldMasterIdLst>
   <p:notesMasterIdLst>
-    <p:notesMasterId r:id="rId26"/>
+    <p:notesMasterId r:id="rId27"/>
   </p:notesMasterIdLst>
   <p:sldIdLst>
     <p:sldId id="256" r:id="rId2"/>
@@ -22,16 +22,17 @@
     <p:sldId id="262" r:id="rId13"/>
     <p:sldId id="263" r:id="rId14"/>
     <p:sldId id="261" r:id="rId15"/>
-    <p:sldId id="275" r:id="rId16"/>
-    <p:sldId id="280" r:id="rId17"/>
-    <p:sldId id="264" r:id="rId18"/>
-    <p:sldId id="276" r:id="rId19"/>
-    <p:sldId id="270" r:id="rId20"/>
-    <p:sldId id="271" r:id="rId21"/>
-    <p:sldId id="274" r:id="rId22"/>
-    <p:sldId id="272" r:id="rId23"/>
-    <p:sldId id="273" r:id="rId24"/>
-    <p:sldId id="279" r:id="rId25"/>
+    <p:sldId id="280" r:id="rId16"/>
+    <p:sldId id="275" r:id="rId17"/>
+    <p:sldId id="281" r:id="rId18"/>
+    <p:sldId id="264" r:id="rId19"/>
+    <p:sldId id="276" r:id="rId20"/>
+    <p:sldId id="270" r:id="rId21"/>
+    <p:sldId id="271" r:id="rId22"/>
+    <p:sldId id="274" r:id="rId23"/>
+    <p:sldId id="272" r:id="rId24"/>
+    <p:sldId id="273" r:id="rId25"/>
+    <p:sldId id="279" r:id="rId26"/>
   </p:sldIdLst>
   <p:sldSz cx="12192000" cy="6858000"/>
   <p:notesSz cx="6858000" cy="9144000"/>
@@ -141,7 +142,7 @@
 <file path=ppt/revisionInfo.xml><?xml version="1.0" encoding="utf-8"?>
 <p1510:revInfo xmlns:a="http://schemas.openxmlformats.org/drawingml/2006/main" xmlns:r="http://schemas.openxmlformats.org/officeDocument/2006/relationships" xmlns:p1510="http://schemas.microsoft.com/office/powerpoint/2015/10/main">
   <p1510:revLst>
-    <p1510:client id="{1836C831-88FF-BC43-BAA4-13216AE62E9D}" v="147" dt="2022-08-08T16:16:07.826"/>
+    <p1510:client id="{1836C831-88FF-BC43-BAA4-13216AE62E9D}" v="150" dt="2022-08-15T11:10:18.289"/>
   </p1510:revLst>
 </p1510:revInfo>
 </file>
@@ -151,7 +152,7 @@
   <pc:docChgLst>
     <pc:chgData name="dr.frank@upm.es" userId="80c0511c-33b6-4952-a64f-4d18da44879a" providerId="ADAL" clId="{1836C831-88FF-BC43-BAA4-13216AE62E9D}"/>
     <pc:docChg chg="undo custSel addSld delSld modSld sldOrd">
-      <pc:chgData name="dr.frank@upm.es" userId="80c0511c-33b6-4952-a64f-4d18da44879a" providerId="ADAL" clId="{1836C831-88FF-BC43-BAA4-13216AE62E9D}" dt="2022-08-08T16:16:25.754" v="7608" actId="20577"/>
+      <pc:chgData name="dr.frank@upm.es" userId="80c0511c-33b6-4952-a64f-4d18da44879a" providerId="ADAL" clId="{1836C831-88FF-BC43-BAA4-13216AE62E9D}" dt="2022-08-15T11:13:47.386" v="7868" actId="20577"/>
       <pc:docMkLst>
         <pc:docMk/>
       </pc:docMkLst>
@@ -425,7 +426,7 @@
         </pc:spChg>
       </pc:sldChg>
       <pc:sldChg chg="addSp modSp new mod">
-        <pc:chgData name="dr.frank@upm.es" userId="80c0511c-33b6-4952-a64f-4d18da44879a" providerId="ADAL" clId="{1836C831-88FF-BC43-BAA4-13216AE62E9D}" dt="2022-08-07T12:16:32.218" v="7460" actId="20577"/>
+        <pc:chgData name="dr.frank@upm.es" userId="80c0511c-33b6-4952-a64f-4d18da44879a" providerId="ADAL" clId="{1836C831-88FF-BC43-BAA4-13216AE62E9D}" dt="2022-08-15T11:06:02.733" v="7618" actId="20577"/>
         <pc:sldMkLst>
           <pc:docMk/>
           <pc:sldMk cId="2634136810" sldId="266"/>
@@ -439,7 +440,7 @@
           </ac:spMkLst>
         </pc:spChg>
         <pc:spChg chg="mod">
-          <ac:chgData name="dr.frank@upm.es" userId="80c0511c-33b6-4952-a64f-4d18da44879a" providerId="ADAL" clId="{1836C831-88FF-BC43-BAA4-13216AE62E9D}" dt="2022-08-07T12:16:32.218" v="7460" actId="20577"/>
+          <ac:chgData name="dr.frank@upm.es" userId="80c0511c-33b6-4952-a64f-4d18da44879a" providerId="ADAL" clId="{1836C831-88FF-BC43-BAA4-13216AE62E9D}" dt="2022-08-15T11:06:02.733" v="7618" actId="20577"/>
           <ac:spMkLst>
             <pc:docMk/>
             <pc:sldMk cId="2634136810" sldId="266"/>
@@ -811,7 +812,7 @@
         </pc:picChg>
       </pc:sldChg>
       <pc:sldChg chg="modSp new mod ord">
-        <pc:chgData name="dr.frank@upm.es" userId="80c0511c-33b6-4952-a64f-4d18da44879a" providerId="ADAL" clId="{1836C831-88FF-BC43-BAA4-13216AE62E9D}" dt="2022-08-07T12:03:30.931" v="6725" actId="20577"/>
+        <pc:chgData name="dr.frank@upm.es" userId="80c0511c-33b6-4952-a64f-4d18da44879a" providerId="ADAL" clId="{1836C831-88FF-BC43-BAA4-13216AE62E9D}" dt="2022-08-15T10:59:29.739" v="7610" actId="20577"/>
         <pc:sldMkLst>
           <pc:docMk/>
           <pc:sldMk cId="165627420" sldId="278"/>
@@ -825,7 +826,7 @@
           </ac:spMkLst>
         </pc:spChg>
         <pc:spChg chg="mod">
-          <ac:chgData name="dr.frank@upm.es" userId="80c0511c-33b6-4952-a64f-4d18da44879a" providerId="ADAL" clId="{1836C831-88FF-BC43-BAA4-13216AE62E9D}" dt="2022-08-07T12:03:30.931" v="6725" actId="20577"/>
+          <ac:chgData name="dr.frank@upm.es" userId="80c0511c-33b6-4952-a64f-4d18da44879a" providerId="ADAL" clId="{1836C831-88FF-BC43-BAA4-13216AE62E9D}" dt="2022-08-15T10:59:29.739" v="7610" actId="20577"/>
           <ac:spMkLst>
             <pc:docMk/>
             <pc:sldMk cId="165627420" sldId="278"/>
@@ -834,7 +835,7 @@
         </pc:spChg>
       </pc:sldChg>
       <pc:sldChg chg="addSp delSp modSp new mod modClrScheme chgLayout">
-        <pc:chgData name="dr.frank@upm.es" userId="80c0511c-33b6-4952-a64f-4d18da44879a" providerId="ADAL" clId="{1836C831-88FF-BC43-BAA4-13216AE62E9D}" dt="2022-08-07T12:07:16.069" v="7069" actId="20577"/>
+        <pc:chgData name="dr.frank@upm.es" userId="80c0511c-33b6-4952-a64f-4d18da44879a" providerId="ADAL" clId="{1836C831-88FF-BC43-BAA4-13216AE62E9D}" dt="2022-08-15T11:13:47.386" v="7868" actId="20577"/>
         <pc:sldMkLst>
           <pc:docMk/>
           <pc:sldMk cId="4024277523" sldId="279"/>
@@ -864,7 +865,7 @@
           </ac:spMkLst>
         </pc:spChg>
         <pc:spChg chg="add mod ord">
-          <ac:chgData name="dr.frank@upm.es" userId="80c0511c-33b6-4952-a64f-4d18da44879a" providerId="ADAL" clId="{1836C831-88FF-BC43-BAA4-13216AE62E9D}" dt="2022-08-07T12:07:16.069" v="7069" actId="20577"/>
+          <ac:chgData name="dr.frank@upm.es" userId="80c0511c-33b6-4952-a64f-4d18da44879a" providerId="ADAL" clId="{1836C831-88FF-BC43-BAA4-13216AE62E9D}" dt="2022-08-15T11:13:47.386" v="7868" actId="20577"/>
           <ac:spMkLst>
             <pc:docMk/>
             <pc:sldMk cId="4024277523" sldId="279"/>
@@ -873,7 +874,7 @@
         </pc:spChg>
       </pc:sldChg>
       <pc:sldChg chg="addSp modSp new mod ord">
-        <pc:chgData name="dr.frank@upm.es" userId="80c0511c-33b6-4952-a64f-4d18da44879a" providerId="ADAL" clId="{1836C831-88FF-BC43-BAA4-13216AE62E9D}" dt="2022-08-08T16:16:25.754" v="7608" actId="20577"/>
+        <pc:chgData name="dr.frank@upm.es" userId="80c0511c-33b6-4952-a64f-4d18da44879a" providerId="ADAL" clId="{1836C831-88FF-BC43-BAA4-13216AE62E9D}" dt="2022-08-15T11:13:10.904" v="7846" actId="20578"/>
         <pc:sldMkLst>
           <pc:docMk/>
           <pc:sldMk cId="964362541" sldId="280"/>
@@ -900,6 +901,53 @@
             <pc:docMk/>
             <pc:sldMk cId="964362541" sldId="280"/>
             <ac:spMk id="4" creationId="{F1328657-6957-7CCD-1DD5-CF25C1F124F0}"/>
+          </ac:spMkLst>
+        </pc:spChg>
+      </pc:sldChg>
+      <pc:sldChg chg="addSp delSp modSp new mod">
+        <pc:chgData name="dr.frank@upm.es" userId="80c0511c-33b6-4952-a64f-4d18da44879a" providerId="ADAL" clId="{1836C831-88FF-BC43-BAA4-13216AE62E9D}" dt="2022-08-15T11:12:11.173" v="7845" actId="1076"/>
+        <pc:sldMkLst>
+          <pc:docMk/>
+          <pc:sldMk cId="107702854" sldId="281"/>
+        </pc:sldMkLst>
+        <pc:spChg chg="mod">
+          <ac:chgData name="dr.frank@upm.es" userId="80c0511c-33b6-4952-a64f-4d18da44879a" providerId="ADAL" clId="{1836C831-88FF-BC43-BAA4-13216AE62E9D}" dt="2022-08-15T11:06:21.262" v="7626" actId="20577"/>
+          <ac:spMkLst>
+            <pc:docMk/>
+            <pc:sldMk cId="107702854" sldId="281"/>
+            <ac:spMk id="2" creationId="{8C4DD635-7D63-A696-DEB3-5D9566BD3604}"/>
+          </ac:spMkLst>
+        </pc:spChg>
+        <pc:spChg chg="mod">
+          <ac:chgData name="dr.frank@upm.es" userId="80c0511c-33b6-4952-a64f-4d18da44879a" providerId="ADAL" clId="{1836C831-88FF-BC43-BAA4-13216AE62E9D}" dt="2022-08-15T11:10:23.665" v="7831" actId="12"/>
+          <ac:spMkLst>
+            <pc:docMk/>
+            <pc:sldMk cId="107702854" sldId="281"/>
+            <ac:spMk id="3" creationId="{CC064D3C-3F51-4DC1-9B0B-EA50EAEC56EF}"/>
+          </ac:spMkLst>
+        </pc:spChg>
+        <pc:spChg chg="add mod">
+          <ac:chgData name="dr.frank@upm.es" userId="80c0511c-33b6-4952-a64f-4d18da44879a" providerId="ADAL" clId="{1836C831-88FF-BC43-BAA4-13216AE62E9D}" dt="2022-08-15T11:12:11.173" v="7845" actId="1076"/>
+          <ac:spMkLst>
+            <pc:docMk/>
+            <pc:sldMk cId="107702854" sldId="281"/>
+            <ac:spMk id="5" creationId="{A01C3376-F485-4F63-11E7-3DBBE61DB036}"/>
+          </ac:spMkLst>
+        </pc:spChg>
+        <pc:spChg chg="add del mod">
+          <ac:chgData name="dr.frank@upm.es" userId="80c0511c-33b6-4952-a64f-4d18da44879a" providerId="ADAL" clId="{1836C831-88FF-BC43-BAA4-13216AE62E9D}" dt="2022-08-15T11:11:51.978" v="7839" actId="478"/>
+          <ac:spMkLst>
+            <pc:docMk/>
+            <pc:sldMk cId="107702854" sldId="281"/>
+            <ac:spMk id="6" creationId="{3D6BC2B6-4133-011B-B2CC-6CECAD4D00E1}"/>
+          </ac:spMkLst>
+        </pc:spChg>
+        <pc:spChg chg="add mod">
+          <ac:chgData name="dr.frank@upm.es" userId="80c0511c-33b6-4952-a64f-4d18da44879a" providerId="ADAL" clId="{1836C831-88FF-BC43-BAA4-13216AE62E9D}" dt="2022-08-15T11:12:04.764" v="7842" actId="1076"/>
+          <ac:spMkLst>
+            <pc:docMk/>
+            <pc:sldMk cId="107702854" sldId="281"/>
+            <ac:spMk id="7" creationId="{220EBA8D-DF3A-072E-9ECE-CA5F27BFF88C}"/>
           </ac:spMkLst>
         </pc:spChg>
       </pc:sldChg>
@@ -990,7 +1038,7 @@
           <a:p>
             <a:fld id="{79992254-D943-7944-B982-686A4FAA5688}" type="datetimeFigureOut">
               <a:rPr lang="en-ES" smtClean="0"/>
-              <a:t>8/8/22</a:t>
+              <a:t>15/8/22</a:t>
             </a:fld>
             <a:endParaRPr lang="en-ES"/>
           </a:p>
@@ -1573,7 +1621,7 @@
           <a:p>
             <a:fld id="{9B940320-F41E-FC4E-B612-D4D83E578A08}" type="datetimeFigureOut">
               <a:rPr lang="en-ES" smtClean="0"/>
-              <a:t>8/8/22</a:t>
+              <a:t>15/8/22</a:t>
             </a:fld>
             <a:endParaRPr lang="en-ES"/>
           </a:p>
@@ -1743,7 +1791,7 @@
           <a:p>
             <a:fld id="{9B940320-F41E-FC4E-B612-D4D83E578A08}" type="datetimeFigureOut">
               <a:rPr lang="en-ES" smtClean="0"/>
-              <a:t>8/8/22</a:t>
+              <a:t>15/8/22</a:t>
             </a:fld>
             <a:endParaRPr lang="en-ES"/>
           </a:p>
@@ -1923,7 +1971,7 @@
           <a:p>
             <a:fld id="{9B940320-F41E-FC4E-B612-D4D83E578A08}" type="datetimeFigureOut">
               <a:rPr lang="en-ES" smtClean="0"/>
-              <a:t>8/8/22</a:t>
+              <a:t>15/8/22</a:t>
             </a:fld>
             <a:endParaRPr lang="en-ES"/>
           </a:p>
@@ -2093,7 +2141,7 @@
           <a:p>
             <a:fld id="{9B940320-F41E-FC4E-B612-D4D83E578A08}" type="datetimeFigureOut">
               <a:rPr lang="en-ES" smtClean="0"/>
-              <a:t>8/8/22</a:t>
+              <a:t>15/8/22</a:t>
             </a:fld>
             <a:endParaRPr lang="en-ES"/>
           </a:p>
@@ -2351,7 +2399,7 @@
           <a:p>
             <a:fld id="{9B940320-F41E-FC4E-B612-D4D83E578A08}" type="datetimeFigureOut">
               <a:rPr lang="en-ES" smtClean="0"/>
-              <a:t>8/8/22</a:t>
+              <a:t>15/8/22</a:t>
             </a:fld>
             <a:endParaRPr lang="en-ES"/>
           </a:p>
@@ -2639,7 +2687,7 @@
           <a:p>
             <a:fld id="{9B940320-F41E-FC4E-B612-D4D83E578A08}" type="datetimeFigureOut">
               <a:rPr lang="en-ES" smtClean="0"/>
-              <a:t>8/8/22</a:t>
+              <a:t>15/8/22</a:t>
             </a:fld>
             <a:endParaRPr lang="en-ES"/>
           </a:p>
@@ -3081,7 +3129,7 @@
           <a:p>
             <a:fld id="{9B940320-F41E-FC4E-B612-D4D83E578A08}" type="datetimeFigureOut">
               <a:rPr lang="en-ES" smtClean="0"/>
-              <a:t>8/8/22</a:t>
+              <a:t>15/8/22</a:t>
             </a:fld>
             <a:endParaRPr lang="en-ES"/>
           </a:p>
@@ -3199,7 +3247,7 @@
           <a:p>
             <a:fld id="{9B940320-F41E-FC4E-B612-D4D83E578A08}" type="datetimeFigureOut">
               <a:rPr lang="en-ES" smtClean="0"/>
-              <a:t>8/8/22</a:t>
+              <a:t>15/8/22</a:t>
             </a:fld>
             <a:endParaRPr lang="en-ES"/>
           </a:p>
@@ -3294,7 +3342,7 @@
           <a:p>
             <a:fld id="{9B940320-F41E-FC4E-B612-D4D83E578A08}" type="datetimeFigureOut">
               <a:rPr lang="en-ES" smtClean="0"/>
-              <a:t>8/8/22</a:t>
+              <a:t>15/8/22</a:t>
             </a:fld>
             <a:endParaRPr lang="en-ES"/>
           </a:p>
@@ -3582,7 +3630,7 @@
           <a:p>
             <a:fld id="{9B940320-F41E-FC4E-B612-D4D83E578A08}" type="datetimeFigureOut">
               <a:rPr lang="en-ES" smtClean="0"/>
-              <a:t>8/8/22</a:t>
+              <a:t>15/8/22</a:t>
             </a:fld>
             <a:endParaRPr lang="en-ES"/>
           </a:p>
@@ -3855,7 +3903,7 @@
           <a:p>
             <a:fld id="{9B940320-F41E-FC4E-B612-D4D83E578A08}" type="datetimeFigureOut">
               <a:rPr lang="en-ES" smtClean="0"/>
-              <a:t>8/8/22</a:t>
+              <a:t>15/8/22</a:t>
             </a:fld>
             <a:endParaRPr lang="en-ES"/>
           </a:p>
@@ -4152,7 +4200,7 @@
           <a:p>
             <a:fld id="{9B940320-F41E-FC4E-B612-D4D83E578A08}" type="datetimeFigureOut">
               <a:rPr lang="en-ES" smtClean="0"/>
-              <a:t>8/8/22</a:t>
+              <a:t>15/8/22</a:t>
             </a:fld>
             <a:endParaRPr lang="en-ES"/>
           </a:p>
@@ -5895,7 +5943,7 @@
           <p:cNvPr id="2" name="Title 1">
             <a:extLst>
               <a:ext uri="{FF2B5EF4-FFF2-40B4-BE49-F238E27FC236}">
-                <a16:creationId xmlns:a16="http://schemas.microsoft.com/office/drawing/2014/main" id="{AFF293D3-4B9D-18BA-A2AD-8F9C105D3EB6}"/>
+                <a16:creationId xmlns:a16="http://schemas.microsoft.com/office/drawing/2014/main" id="{587268B2-2C3C-0E6B-79F5-CD428C687DBF}"/>
               </a:ext>
             </a:extLst>
           </p:cNvPr>
@@ -5913,7 +5961,7 @@
           <a:p>
             <a:r>
               <a:rPr lang="en-ES" dirty="0"/>
-              <a:t>OOP – methods</a:t>
+              <a:t>Indexing &amp; slicing data</a:t>
             </a:r>
           </a:p>
         </p:txBody>
@@ -5923,7 +5971,7 @@
           <p:cNvPr id="3" name="Content Placeholder 2">
             <a:extLst>
               <a:ext uri="{FF2B5EF4-FFF2-40B4-BE49-F238E27FC236}">
-                <a16:creationId xmlns:a16="http://schemas.microsoft.com/office/drawing/2014/main" id="{27F66F3F-3F7A-2FEB-67D1-D7C418A8CC48}"/>
+                <a16:creationId xmlns:a16="http://schemas.microsoft.com/office/drawing/2014/main" id="{23618394-1AFE-366A-425B-A95F8ABC4579}"/>
               </a:ext>
             </a:extLst>
           </p:cNvPr>
@@ -5940,56 +5988,105 @@
           <a:lstStyle/>
           <a:p>
             <a:r>
-              <a:rPr lang="en-ES" dirty="0"/>
-              <a:t>When we use x.append()/add()/remove() we’re using a </a:t>
-            </a:r>
-            <a:r>
-              <a:rPr lang="en-ES" b="1" i="1" dirty="0"/>
-              <a:t>method</a:t>
-            </a:r>
-            <a:r>
-              <a:rPr lang="en-ES" i="1" dirty="0"/>
-              <a:t> </a:t>
-            </a:r>
-            <a:r>
-              <a:rPr lang="en-ES" dirty="0"/>
-              <a:t> procedure on an object (list, dictionary, etc).</a:t>
-            </a:r>
-          </a:p>
-          <a:p>
-            <a:r>
-              <a:rPr lang="en-ES" dirty="0"/>
-              <a:t>A bit like a function but associated with a specific object, don’t need to ‘re-define’ the object as a variable i.e. we don’t use </a:t>
-            </a:r>
-            <a:r>
-              <a:rPr lang="en-ES" dirty="0">
-                <a:highlight>
-                  <a:srgbClr val="FFFF00"/>
-                </a:highlight>
-              </a:rPr>
-              <a:t>a = </a:t>
-            </a:r>
-            <a:r>
-              <a:rPr lang="en-ES" dirty="0"/>
-              <a:t>a.sort()</a:t>
-            </a:r>
-          </a:p>
-          <a:p>
-            <a:r>
-              <a:rPr lang="en-ES" dirty="0"/>
-              <a:t>To find out which methods are associated with a given object you can use</a:t>
-            </a:r>
-            <a:r>
-              <a:rPr lang="en-ES" b="1" dirty="0"/>
-              <a:t> dir(a)</a:t>
-            </a:r>
+              <a:rPr lang="en-GB" dirty="0"/>
+              <a:t>a[</a:t>
+            </a:r>
+            <a:r>
+              <a:rPr lang="en-GB" dirty="0" err="1"/>
+              <a:t>start:stop</a:t>
+            </a:r>
+            <a:r>
+              <a:rPr lang="en-GB" dirty="0"/>
+              <a:t>] # items start through stop-1 </a:t>
+            </a:r>
+          </a:p>
+          <a:p>
+            <a:r>
+              <a:rPr lang="en-GB" dirty="0"/>
+              <a:t>a[start:] # items start through the rest of the array </a:t>
+            </a:r>
+          </a:p>
+          <a:p>
+            <a:r>
+              <a:rPr lang="en-GB" dirty="0"/>
+              <a:t>a[:stop] # items from the beginning through stop-1 </a:t>
+            </a:r>
+          </a:p>
+          <a:p>
+            <a:r>
+              <a:rPr lang="en-GB" dirty="0"/>
+              <a:t>a[:] # a copy of the whole array</a:t>
+            </a:r>
+          </a:p>
+          <a:p>
+            <a:r>
+              <a:rPr lang="en-GB" dirty="0"/>
+              <a:t>a[</a:t>
+            </a:r>
+            <a:r>
+              <a:rPr lang="en-GB" dirty="0" err="1"/>
+              <a:t>start:stop:step</a:t>
+            </a:r>
+            <a:r>
+              <a:rPr lang="en-GB" dirty="0"/>
+              <a:t>] # start through not past stop, by step</a:t>
+            </a:r>
+          </a:p>
+          <a:p>
+            <a:endParaRPr lang="en-GB" dirty="0"/>
+          </a:p>
+          <a:p>
+            <a:r>
+              <a:rPr lang="en-GB" dirty="0"/>
+              <a:t>Same thing goes for the range() function --&gt; inclusive</a:t>
+            </a:r>
+            <a:r>
+              <a:rPr lang="en-GB"/>
+              <a:t>, exclusive [ ) </a:t>
+            </a:r>
+            <a:br>
+              <a:rPr lang="en-GB" dirty="0"/>
+            </a:br>
+            <a:endParaRPr lang="en-ES" dirty="0"/>
+          </a:p>
+        </p:txBody>
+      </p:sp>
+      <p:sp>
+        <p:nvSpPr>
+          <p:cNvPr id="4" name="TextBox 3">
+            <a:extLst>
+              <a:ext uri="{FF2B5EF4-FFF2-40B4-BE49-F238E27FC236}">
+                <a16:creationId xmlns:a16="http://schemas.microsoft.com/office/drawing/2014/main" id="{F1328657-6957-7CCD-1DD5-CF25C1F124F0}"/>
+              </a:ext>
+            </a:extLst>
+          </p:cNvPr>
+          <p:cNvSpPr txBox="1"/>
+          <p:nvPr/>
+        </p:nvSpPr>
+        <p:spPr>
+          <a:xfrm>
+            <a:off x="7784757" y="6660292"/>
+            <a:ext cx="184731" cy="369332"/>
+          </a:xfrm>
+          <a:prstGeom prst="rect">
+            <a:avLst/>
+          </a:prstGeom>
+          <a:noFill/>
+        </p:spPr>
+        <p:txBody>
+          <a:bodyPr wrap="none" rtlCol="0">
+            <a:spAutoFit/>
+          </a:bodyPr>
+          <a:lstStyle/>
+          <a:p>
+            <a:endParaRPr lang="en-ES" dirty="0"/>
           </a:p>
         </p:txBody>
       </p:sp>
     </p:spTree>
     <p:extLst>
       <p:ext uri="{BB962C8B-B14F-4D97-AF65-F5344CB8AC3E}">
-        <p14:creationId xmlns:p14="http://schemas.microsoft.com/office/powerpoint/2010/main" val="1753432981"/>
+        <p14:creationId xmlns:p14="http://schemas.microsoft.com/office/powerpoint/2010/main" val="964362541"/>
       </p:ext>
     </p:extLst>
   </p:cSld>
@@ -6021,7 +6118,7 @@
           <p:cNvPr id="2" name="Title 1">
             <a:extLst>
               <a:ext uri="{FF2B5EF4-FFF2-40B4-BE49-F238E27FC236}">
-                <a16:creationId xmlns:a16="http://schemas.microsoft.com/office/drawing/2014/main" id="{587268B2-2C3C-0E6B-79F5-CD428C687DBF}"/>
+                <a16:creationId xmlns:a16="http://schemas.microsoft.com/office/drawing/2014/main" id="{AFF293D3-4B9D-18BA-A2AD-8F9C105D3EB6}"/>
               </a:ext>
             </a:extLst>
           </p:cNvPr>
@@ -6039,7 +6136,7 @@
           <a:p>
             <a:r>
               <a:rPr lang="en-ES" dirty="0"/>
-              <a:t>Indexing &amp; slicing data</a:t>
+              <a:t>OOP – methods</a:t>
             </a:r>
           </a:p>
         </p:txBody>
@@ -6049,7 +6146,7 @@
           <p:cNvPr id="3" name="Content Placeholder 2">
             <a:extLst>
               <a:ext uri="{FF2B5EF4-FFF2-40B4-BE49-F238E27FC236}">
-                <a16:creationId xmlns:a16="http://schemas.microsoft.com/office/drawing/2014/main" id="{23618394-1AFE-366A-425B-A95F8ABC4579}"/>
+                <a16:creationId xmlns:a16="http://schemas.microsoft.com/office/drawing/2014/main" id="{27F66F3F-3F7A-2FEB-67D1-D7C418A8CC48}"/>
               </a:ext>
             </a:extLst>
           </p:cNvPr>
@@ -6066,105 +6163,56 @@
           <a:lstStyle/>
           <a:p>
             <a:r>
-              <a:rPr lang="en-GB" dirty="0"/>
-              <a:t>a[</a:t>
-            </a:r>
-            <a:r>
-              <a:rPr lang="en-GB" dirty="0" err="1"/>
-              <a:t>start:stop</a:t>
-            </a:r>
-            <a:r>
-              <a:rPr lang="en-GB" dirty="0"/>
-              <a:t>] # items start through stop-1 </a:t>
-            </a:r>
-          </a:p>
-          <a:p>
-            <a:r>
-              <a:rPr lang="en-GB" dirty="0"/>
-              <a:t>a[start:] # items start through the rest of the array </a:t>
-            </a:r>
-          </a:p>
-          <a:p>
-            <a:r>
-              <a:rPr lang="en-GB" dirty="0"/>
-              <a:t>a[:stop] # items from the beginning through stop-1 </a:t>
-            </a:r>
-          </a:p>
-          <a:p>
-            <a:r>
-              <a:rPr lang="en-GB" dirty="0"/>
-              <a:t>a[:] # a copy of the whole array</a:t>
-            </a:r>
-          </a:p>
-          <a:p>
-            <a:r>
-              <a:rPr lang="en-GB" dirty="0"/>
-              <a:t>a[</a:t>
-            </a:r>
-            <a:r>
-              <a:rPr lang="en-GB" dirty="0" err="1"/>
-              <a:t>start:stop:step</a:t>
-            </a:r>
-            <a:r>
-              <a:rPr lang="en-GB" dirty="0"/>
-              <a:t>] # start through not past stop, by step</a:t>
-            </a:r>
-          </a:p>
-          <a:p>
-            <a:endParaRPr lang="en-GB" dirty="0"/>
-          </a:p>
-          <a:p>
-            <a:r>
-              <a:rPr lang="en-GB" dirty="0"/>
-              <a:t>Same thing goes for the range() function --&gt; inclusive</a:t>
-            </a:r>
-            <a:r>
-              <a:rPr lang="en-GB"/>
-              <a:t>, exclusive [ ) </a:t>
-            </a:r>
-            <a:br>
-              <a:rPr lang="en-GB" dirty="0"/>
-            </a:br>
-            <a:endParaRPr lang="en-ES" dirty="0"/>
-          </a:p>
-        </p:txBody>
-      </p:sp>
-      <p:sp>
-        <p:nvSpPr>
-          <p:cNvPr id="4" name="TextBox 3">
-            <a:extLst>
-              <a:ext uri="{FF2B5EF4-FFF2-40B4-BE49-F238E27FC236}">
-                <a16:creationId xmlns:a16="http://schemas.microsoft.com/office/drawing/2014/main" id="{F1328657-6957-7CCD-1DD5-CF25C1F124F0}"/>
-              </a:ext>
-            </a:extLst>
-          </p:cNvPr>
-          <p:cNvSpPr txBox="1"/>
-          <p:nvPr/>
-        </p:nvSpPr>
-        <p:spPr>
-          <a:xfrm>
-            <a:off x="7784757" y="6660292"/>
-            <a:ext cx="184731" cy="369332"/>
-          </a:xfrm>
-          <a:prstGeom prst="rect">
-            <a:avLst/>
-          </a:prstGeom>
-          <a:noFill/>
-        </p:spPr>
-        <p:txBody>
-          <a:bodyPr wrap="none" rtlCol="0">
-            <a:spAutoFit/>
-          </a:bodyPr>
-          <a:lstStyle/>
-          <a:p>
-            <a:endParaRPr lang="en-ES" dirty="0"/>
+              <a:rPr lang="en-ES" dirty="0"/>
+              <a:t>When we use x.append()/add()/remove() we’re using a </a:t>
+            </a:r>
+            <a:r>
+              <a:rPr lang="en-ES" b="1" i="1" dirty="0"/>
+              <a:t>method</a:t>
+            </a:r>
+            <a:r>
+              <a:rPr lang="en-ES" i="1" dirty="0"/>
+              <a:t> </a:t>
+            </a:r>
+            <a:r>
+              <a:rPr lang="en-ES" dirty="0"/>
+              <a:t> procedure on an object (list, dictionary, etc).</a:t>
+            </a:r>
+          </a:p>
+          <a:p>
+            <a:r>
+              <a:rPr lang="en-ES" dirty="0"/>
+              <a:t>A bit like a function but associated with a specific object, don’t need to ‘re-define’ the object as a variable i.e. we don’t use </a:t>
+            </a:r>
+            <a:r>
+              <a:rPr lang="en-ES" dirty="0">
+                <a:highlight>
+                  <a:srgbClr val="FFFF00"/>
+                </a:highlight>
+              </a:rPr>
+              <a:t>a = </a:t>
+            </a:r>
+            <a:r>
+              <a:rPr lang="en-ES" dirty="0"/>
+              <a:t>a.sort()</a:t>
+            </a:r>
+          </a:p>
+          <a:p>
+            <a:r>
+              <a:rPr lang="en-ES" dirty="0"/>
+              <a:t>To find out which methods are associated with a given object you can use</a:t>
+            </a:r>
+            <a:r>
+              <a:rPr lang="en-ES" b="1" dirty="0"/>
+              <a:t> dir(a)</a:t>
+            </a:r>
           </a:p>
         </p:txBody>
       </p:sp>
     </p:spTree>
     <p:extLst>
       <p:ext uri="{BB962C8B-B14F-4D97-AF65-F5344CB8AC3E}">
-        <p14:creationId xmlns:p14="http://schemas.microsoft.com/office/powerpoint/2010/main" val="964362541"/>
+        <p14:creationId xmlns:p14="http://schemas.microsoft.com/office/powerpoint/2010/main" val="1753432981"/>
       </p:ext>
     </p:extLst>
   </p:cSld>
@@ -6196,7 +6244,7 @@
           <p:cNvPr id="2" name="Title 1">
             <a:extLst>
               <a:ext uri="{FF2B5EF4-FFF2-40B4-BE49-F238E27FC236}">
-                <a16:creationId xmlns:a16="http://schemas.microsoft.com/office/drawing/2014/main" id="{C8D012D5-FB13-0FCF-7726-72D701AADC0E}"/>
+                <a16:creationId xmlns:a16="http://schemas.microsoft.com/office/drawing/2014/main" id="{8C4DD635-7D63-A696-DEB3-5D9566BD3604}"/>
               </a:ext>
             </a:extLst>
           </p:cNvPr>
@@ -6214,7 +6262,7 @@
           <a:p>
             <a:r>
               <a:rPr lang="en-ES" dirty="0"/>
-              <a:t>Loops</a:t>
+              <a:t>Classes</a:t>
             </a:r>
           </a:p>
         </p:txBody>
@@ -6224,7 +6272,7 @@
           <p:cNvPr id="3" name="Content Placeholder 2">
             <a:extLst>
               <a:ext uri="{FF2B5EF4-FFF2-40B4-BE49-F238E27FC236}">
-                <a16:creationId xmlns:a16="http://schemas.microsoft.com/office/drawing/2014/main" id="{E4383855-596F-DA83-9045-EC2A4BB70944}"/>
+                <a16:creationId xmlns:a16="http://schemas.microsoft.com/office/drawing/2014/main" id="{CC064D3C-3F51-4DC1-9B0B-EA50EAEC56EF}"/>
               </a:ext>
             </a:extLst>
           </p:cNvPr>
@@ -6235,84 +6283,287 @@
             <p:ph idx="1"/>
           </p:nvPr>
         </p:nvSpPr>
+        <p:spPr/>
+        <p:txBody>
+          <a:bodyPr>
+            <a:normAutofit fontScale="92500" lnSpcReduction="20000"/>
+          </a:bodyPr>
+          <a:lstStyle/>
+          <a:p>
+            <a:r>
+              <a:rPr lang="en-ES" dirty="0"/>
+              <a:t>A class is a ‘blue print’ for creating objects.</a:t>
+            </a:r>
+          </a:p>
+          <a:p>
+            <a:r>
+              <a:rPr lang="en-ES" dirty="0"/>
+              <a:t>All classes have an __init__ function </a:t>
+            </a:r>
+            <a:r>
+              <a:rPr lang="en-GB" dirty="0"/>
+              <a:t>to assign values to object properties, or other operations that are necessary to do when the object is being created:</a:t>
+            </a:r>
+          </a:p>
+          <a:p>
+            <a:pPr marL="0" indent="0">
+              <a:buNone/>
+            </a:pPr>
+            <a:r>
+              <a:rPr lang="en-GB" dirty="0"/>
+              <a:t>class Person:</a:t>
+            </a:r>
+            <a:br>
+              <a:rPr lang="en-GB" dirty="0"/>
+            </a:br>
+            <a:r>
+              <a:rPr lang="en-GB" dirty="0"/>
+              <a:t>  def __</a:t>
+            </a:r>
+            <a:r>
+              <a:rPr lang="en-GB" dirty="0" err="1"/>
+              <a:t>init</a:t>
+            </a:r>
+            <a:r>
+              <a:rPr lang="en-GB" dirty="0"/>
+              <a:t>__(self, name, age):</a:t>
+            </a:r>
+            <a:br>
+              <a:rPr lang="en-GB" dirty="0"/>
+            </a:br>
+            <a:r>
+              <a:rPr lang="en-GB" dirty="0"/>
+              <a:t>    </a:t>
+            </a:r>
+            <a:r>
+              <a:rPr lang="en-GB" dirty="0" err="1"/>
+              <a:t>self.name</a:t>
+            </a:r>
+            <a:r>
+              <a:rPr lang="en-GB" dirty="0"/>
+              <a:t> = name</a:t>
+            </a:r>
+            <a:br>
+              <a:rPr lang="en-GB" dirty="0"/>
+            </a:br>
+            <a:r>
+              <a:rPr lang="en-GB" dirty="0"/>
+              <a:t>    </a:t>
+            </a:r>
+            <a:r>
+              <a:rPr lang="en-GB" dirty="0" err="1"/>
+              <a:t>self.age</a:t>
+            </a:r>
+            <a:r>
+              <a:rPr lang="en-GB" dirty="0"/>
+              <a:t> = age</a:t>
+            </a:r>
+            <a:br>
+              <a:rPr lang="en-GB" dirty="0"/>
+            </a:br>
+            <a:br>
+              <a:rPr lang="en-GB" dirty="0"/>
+            </a:br>
+            <a:r>
+              <a:rPr lang="en-GB" dirty="0"/>
+              <a:t>p1 = Person("John", 36)</a:t>
+            </a:r>
+            <a:br>
+              <a:rPr lang="en-GB" dirty="0"/>
+            </a:br>
+            <a:br>
+              <a:rPr lang="en-GB" dirty="0"/>
+            </a:br>
+            <a:r>
+              <a:rPr lang="en-GB" dirty="0"/>
+              <a:t>print(p1.name)</a:t>
+            </a:r>
+            <a:br>
+              <a:rPr lang="en-GB" dirty="0"/>
+            </a:br>
+            <a:r>
+              <a:rPr lang="en-GB" dirty="0"/>
+              <a:t>print(p1.age)</a:t>
+            </a:r>
+          </a:p>
+          <a:p>
+            <a:pPr marL="0" indent="0">
+              <a:buNone/>
+            </a:pPr>
+            <a:endParaRPr lang="en-GB" dirty="0"/>
+          </a:p>
+          <a:p>
+            <a:r>
+              <a:rPr lang="en-GB" dirty="0"/>
+              <a:t>We can also create a method for our class</a:t>
+            </a:r>
+          </a:p>
+          <a:p>
+            <a:pPr marL="0" indent="0">
+              <a:buNone/>
+            </a:pPr>
+            <a:r>
+              <a:rPr lang="en-GB" dirty="0"/>
+              <a:t>def </a:t>
+            </a:r>
+            <a:r>
+              <a:rPr lang="en-GB" dirty="0" err="1"/>
+              <a:t>myfunc</a:t>
+            </a:r>
+            <a:r>
+              <a:rPr lang="en-GB" dirty="0"/>
+              <a:t>(self):</a:t>
+            </a:r>
+            <a:br>
+              <a:rPr lang="en-GB" dirty="0"/>
+            </a:br>
+            <a:r>
+              <a:rPr lang="en-GB" dirty="0"/>
+              <a:t>    print("Hello my name is " + </a:t>
+            </a:r>
+            <a:r>
+              <a:rPr lang="en-GB" dirty="0" err="1"/>
+              <a:t>self.name</a:t>
+            </a:r>
+            <a:r>
+              <a:rPr lang="en-GB" dirty="0"/>
+              <a:t>)</a:t>
+            </a:r>
+            <a:br>
+              <a:rPr lang="en-GB" dirty="0"/>
+            </a:br>
+            <a:br>
+              <a:rPr lang="en-GB" dirty="0"/>
+            </a:br>
+            <a:r>
+              <a:rPr lang="en-GB" dirty="0"/>
+              <a:t>p1 = Person("John", 36)</a:t>
+            </a:r>
+            <a:br>
+              <a:rPr lang="en-GB" dirty="0"/>
+            </a:br>
+            <a:r>
+              <a:rPr lang="en-GB" dirty="0"/>
+              <a:t>p1.myfunc()</a:t>
+            </a:r>
+            <a:endParaRPr lang="en-ES" dirty="0"/>
+          </a:p>
+        </p:txBody>
+      </p:sp>
+      <p:sp>
+        <p:nvSpPr>
+          <p:cNvPr id="5" name="TextBox 4">
+            <a:extLst>
+              <a:ext uri="{FF2B5EF4-FFF2-40B4-BE49-F238E27FC236}">
+                <a16:creationId xmlns:a16="http://schemas.microsoft.com/office/drawing/2014/main" id="{A01C3376-F485-4F63-11E7-3DBBE61DB036}"/>
+              </a:ext>
+            </a:extLst>
+          </p:cNvPr>
+          <p:cNvSpPr txBox="1"/>
+          <p:nvPr/>
+        </p:nvSpPr>
         <p:spPr>
           <a:xfrm>
-            <a:off x="3752850" y="1123837"/>
-            <a:ext cx="5859162" cy="4351338"/>
+            <a:off x="7526868" y="2693773"/>
+            <a:ext cx="2088291" cy="1200329"/>
           </a:xfrm>
+          <a:prstGeom prst="rect">
+            <a:avLst/>
+          </a:prstGeom>
+          <a:noFill/>
         </p:spPr>
         <p:txBody>
-          <a:bodyPr/>
+          <a:bodyPr wrap="square">
+            <a:spAutoFit/>
+          </a:bodyPr>
           <a:lstStyle/>
           <a:p>
-            <a:pPr marL="0" indent="0">
-              <a:buNone/>
-            </a:pPr>
-            <a:r>
-              <a:rPr lang="en-GB" dirty="0"/>
-              <a:t>fruits = ["apple", "banana", "cherry"]</a:t>
-            </a:r>
-            <a:br>
-              <a:rPr lang="en-GB" dirty="0"/>
-            </a:br>
-            <a:r>
-              <a:rPr lang="en-GB" dirty="0"/>
-              <a:t>for x in fruits:</a:t>
-            </a:r>
-            <a:br>
-              <a:rPr lang="en-GB" dirty="0"/>
-            </a:br>
-            <a:r>
-              <a:rPr lang="en-GB" dirty="0"/>
-              <a:t>  print(x)</a:t>
-            </a:r>
-          </a:p>
-          <a:p>
-            <a:pPr marL="0" indent="0">
-              <a:buNone/>
-            </a:pPr>
-            <a:endParaRPr lang="en-GB" dirty="0"/>
-          </a:p>
-          <a:p>
-            <a:pPr marL="0" indent="0">
-              <a:buNone/>
-            </a:pPr>
-            <a:r>
-              <a:rPr lang="en-GB" dirty="0"/>
-              <a:t>for x in range(6):				</a:t>
-            </a:r>
-            <a:br>
-              <a:rPr lang="en-GB" dirty="0"/>
-            </a:br>
-            <a:r>
-              <a:rPr lang="en-GB" dirty="0"/>
-              <a:t>  print(x)</a:t>
-            </a:r>
-          </a:p>
-          <a:p>
-            <a:pPr marL="0" indent="0">
-              <a:buNone/>
-            </a:pPr>
-            <a:endParaRPr lang="en-GB" dirty="0"/>
-          </a:p>
-          <a:p>
-            <a:pPr marL="0" indent="0">
-              <a:buNone/>
-            </a:pPr>
-            <a:r>
-              <a:rPr lang="en-GB" dirty="0">
-                <a:sym typeface="Wingdings" pitchFamily="2" charset="2"/>
+            <a:r>
+              <a:rPr lang="en-GB" sz="1200" b="0" i="0" dirty="0">
+                <a:solidFill>
+                  <a:srgbClr val="FF0000"/>
+                </a:solidFill>
+                <a:effectLst/>
+                <a:latin typeface="Verdana" panose="020B0604030504040204" pitchFamily="34" charset="0"/>
               </a:rPr>
-              <a:t> 0,1,2,3,4,5</a:t>
-            </a:r>
-            <a:endParaRPr lang="en-ES" dirty="0"/>
+              <a:t>The </a:t>
+            </a:r>
+            <a:r>
+              <a:rPr lang="en-GB" sz="1200" dirty="0">
+                <a:solidFill>
+                  <a:srgbClr val="FF0000"/>
+                </a:solidFill>
+              </a:rPr>
+              <a:t>self</a:t>
+            </a:r>
+            <a:r>
+              <a:rPr lang="en-GB" sz="1200" b="0" i="0" dirty="0">
+                <a:solidFill>
+                  <a:srgbClr val="FF0000"/>
+                </a:solidFill>
+                <a:effectLst/>
+                <a:latin typeface="Verdana" panose="020B0604030504040204" pitchFamily="34" charset="0"/>
+              </a:rPr>
+              <a:t> parameter is a reference to the current instance of the class, and is used to access variables that belongs to the class.</a:t>
+            </a:r>
+            <a:endParaRPr lang="en-ES" sz="1200" dirty="0">
+              <a:solidFill>
+                <a:srgbClr val="FF0000"/>
+              </a:solidFill>
+            </a:endParaRPr>
+          </a:p>
+        </p:txBody>
+      </p:sp>
+      <p:sp>
+        <p:nvSpPr>
+          <p:cNvPr id="7" name="Bent Up Arrow 6">
+            <a:extLst>
+              <a:ext uri="{FF2B5EF4-FFF2-40B4-BE49-F238E27FC236}">
+                <a16:creationId xmlns:a16="http://schemas.microsoft.com/office/drawing/2014/main" id="{220EBA8D-DF3A-072E-9ECE-CA5F27BFF88C}"/>
+              </a:ext>
+            </a:extLst>
+          </p:cNvPr>
+          <p:cNvSpPr/>
+          <p:nvPr/>
+        </p:nvSpPr>
+        <p:spPr>
+          <a:xfrm flipV="1">
+            <a:off x="7068065" y="2162432"/>
+            <a:ext cx="1655805" cy="531341"/>
+          </a:xfrm>
+          <a:prstGeom prst="bentUpArrow">
+            <a:avLst/>
+          </a:prstGeom>
+        </p:spPr>
+        <p:style>
+          <a:lnRef idx="2">
+            <a:schemeClr val="accent1">
+              <a:shade val="50000"/>
+            </a:schemeClr>
+          </a:lnRef>
+          <a:fillRef idx="1">
+            <a:schemeClr val="accent1"/>
+          </a:fillRef>
+          <a:effectRef idx="0">
+            <a:schemeClr val="accent1"/>
+          </a:effectRef>
+          <a:fontRef idx="minor">
+            <a:schemeClr val="lt1"/>
+          </a:fontRef>
+        </p:style>
+        <p:txBody>
+          <a:bodyPr rtlCol="0" anchor="ctr"/>
+          <a:lstStyle/>
+          <a:p>
+            <a:pPr algn="ctr"/>
+            <a:endParaRPr lang="en-ES"/>
           </a:p>
         </p:txBody>
       </p:sp>
     </p:spTree>
     <p:extLst>
       <p:ext uri="{BB962C8B-B14F-4D97-AF65-F5344CB8AC3E}">
-        <p14:creationId xmlns:p14="http://schemas.microsoft.com/office/powerpoint/2010/main" val="4284320203"/>
+        <p14:creationId xmlns:p14="http://schemas.microsoft.com/office/powerpoint/2010/main" val="107702854"/>
       </p:ext>
     </p:extLst>
   </p:cSld>
@@ -6344,7 +6595,7 @@
           <p:cNvPr id="2" name="Title 1">
             <a:extLst>
               <a:ext uri="{FF2B5EF4-FFF2-40B4-BE49-F238E27FC236}">
-                <a16:creationId xmlns:a16="http://schemas.microsoft.com/office/drawing/2014/main" id="{E857CD18-868C-7E1B-9AB0-53B55C35F6A8}"/>
+                <a16:creationId xmlns:a16="http://schemas.microsoft.com/office/drawing/2014/main" id="{C8D012D5-FB13-0FCF-7726-72D701AADC0E}"/>
               </a:ext>
             </a:extLst>
           </p:cNvPr>
@@ -6372,7 +6623,7 @@
           <p:cNvPr id="3" name="Content Placeholder 2">
             <a:extLst>
               <a:ext uri="{FF2B5EF4-FFF2-40B4-BE49-F238E27FC236}">
-                <a16:creationId xmlns:a16="http://schemas.microsoft.com/office/drawing/2014/main" id="{A8D705F1-DB19-7A42-3FB7-D8C3372F3473}"/>
+                <a16:creationId xmlns:a16="http://schemas.microsoft.com/office/drawing/2014/main" id="{E4383855-596F-DA83-9045-EC2A4BB70944}"/>
               </a:ext>
             </a:extLst>
           </p:cNvPr>
@@ -6383,232 +6634,84 @@
             <p:ph idx="1"/>
           </p:nvPr>
         </p:nvSpPr>
-        <p:spPr/>
+        <p:spPr>
+          <a:xfrm>
+            <a:off x="3752850" y="1123837"/>
+            <a:ext cx="5859162" cy="4351338"/>
+          </a:xfrm>
+        </p:spPr>
         <p:txBody>
           <a:bodyPr/>
           <a:lstStyle/>
           <a:p>
-            <a:r>
-              <a:rPr lang="en-ES" dirty="0"/>
-              <a:t>For loops can also be written in one line –</a:t>
-            </a:r>
-            <a:r>
-              <a:rPr lang="en-ES" b="1" dirty="0"/>
-              <a:t> list* comprehension:</a:t>
-            </a:r>
-          </a:p>
-          <a:p>
-            <a:pPr marL="0" indent="0">
-              <a:buNone/>
-            </a:pPr>
-            <a:r>
-              <a:rPr lang="en-GB" dirty="0" err="1"/>
-              <a:t>nums</a:t>
-            </a:r>
-            <a:r>
-              <a:rPr lang="en-GB" dirty="0"/>
-              <a:t> = [0, 1, 2, 3, 4] </a:t>
-            </a:r>
-          </a:p>
-          <a:p>
-            <a:pPr marL="0" indent="0">
-              <a:buNone/>
-            </a:pPr>
-            <a:r>
-              <a:rPr lang="en-GB" dirty="0"/>
-              <a:t>squares = [x ** 2 </a:t>
-            </a:r>
-            <a:r>
-              <a:rPr lang="en-GB" b="1" dirty="0"/>
-              <a:t>for</a:t>
-            </a:r>
-            <a:r>
-              <a:rPr lang="en-GB" dirty="0"/>
-              <a:t> x </a:t>
-            </a:r>
-            <a:r>
-              <a:rPr lang="en-GB" b="1" dirty="0"/>
-              <a:t>in</a:t>
-            </a:r>
-            <a:r>
-              <a:rPr lang="en-GB" dirty="0"/>
-              <a:t> </a:t>
-            </a:r>
-            <a:r>
-              <a:rPr lang="en-GB" dirty="0" err="1"/>
-              <a:t>nums</a:t>
-            </a:r>
-            <a:r>
-              <a:rPr lang="en-GB" dirty="0"/>
-              <a:t>] </a:t>
-            </a:r>
+            <a:pPr marL="0" indent="0">
+              <a:buNone/>
+            </a:pPr>
+            <a:r>
+              <a:rPr lang="en-GB" dirty="0"/>
+              <a:t>fruits = ["apple", "banana", "cherry"]</a:t>
+            </a:r>
+            <a:br>
+              <a:rPr lang="en-GB" dirty="0"/>
+            </a:br>
+            <a:r>
+              <a:rPr lang="en-GB" dirty="0"/>
+              <a:t>for x in fruits:</a:t>
+            </a:r>
+            <a:br>
+              <a:rPr lang="en-GB" dirty="0"/>
+            </a:br>
+            <a:r>
+              <a:rPr lang="en-GB" dirty="0"/>
+              <a:t>  print(x)</a:t>
+            </a:r>
+          </a:p>
+          <a:p>
+            <a:pPr marL="0" indent="0">
+              <a:buNone/>
+            </a:pPr>
+            <a:endParaRPr lang="en-GB" dirty="0"/>
+          </a:p>
+          <a:p>
+            <a:pPr marL="0" indent="0">
+              <a:buNone/>
+            </a:pPr>
+            <a:r>
+              <a:rPr lang="en-GB" dirty="0"/>
+              <a:t>for x in range(6):				</a:t>
+            </a:r>
+            <a:br>
+              <a:rPr lang="en-GB" dirty="0"/>
+            </a:br>
+            <a:r>
+              <a:rPr lang="en-GB" dirty="0"/>
+              <a:t>  print(x)</a:t>
+            </a:r>
+          </a:p>
+          <a:p>
+            <a:pPr marL="0" indent="0">
+              <a:buNone/>
+            </a:pPr>
+            <a:endParaRPr lang="en-GB" dirty="0"/>
+          </a:p>
+          <a:p>
+            <a:pPr marL="0" indent="0">
+              <a:buNone/>
+            </a:pPr>
             <a:r>
               <a:rPr lang="en-GB" dirty="0">
                 <a:sym typeface="Wingdings" pitchFamily="2" charset="2"/>
               </a:rPr>
-              <a:t></a:t>
-            </a:r>
-          </a:p>
-          <a:p>
-            <a:pPr marL="0" indent="0">
-              <a:buNone/>
-            </a:pPr>
-            <a:r>
-              <a:rPr lang="en-ES" altLang="en-ES" dirty="0">
-                <a:solidFill>
-                  <a:srgbClr val="333333"/>
-                </a:solidFill>
-                <a:latin typeface="var(--jp-code-font-family)"/>
-              </a:rPr>
-              <a:t>[0, 1, 4, 9, 16] </a:t>
-            </a:r>
-            <a:endParaRPr lang="en-ES" altLang="en-ES" dirty="0">
-              <a:solidFill>
-                <a:schemeClr val="tx1"/>
-              </a:solidFill>
-            </a:endParaRPr>
-          </a:p>
-          <a:p>
-            <a:pPr marL="0" indent="0">
-              <a:buNone/>
-            </a:pPr>
-            <a:endParaRPr lang="en-GB" dirty="0"/>
-          </a:p>
-          <a:p>
-            <a:pPr marL="0" indent="0">
-              <a:buNone/>
-            </a:pPr>
-            <a:endParaRPr lang="en-GB" b="1" dirty="0"/>
-          </a:p>
-          <a:p>
-            <a:r>
-              <a:rPr lang="en-GB" dirty="0"/>
-              <a:t>These can also incorporate </a:t>
-            </a:r>
-            <a:r>
-              <a:rPr lang="en-GB" i="1" dirty="0"/>
-              <a:t>if conditions:</a:t>
-            </a:r>
-          </a:p>
-          <a:p>
-            <a:pPr marL="0" indent="0">
-              <a:buNone/>
-            </a:pPr>
-            <a:r>
-              <a:rPr lang="en-GB" dirty="0" err="1"/>
-              <a:t>string_nums</a:t>
-            </a:r>
-            <a:r>
-              <a:rPr lang="en-GB" dirty="0"/>
-              <a:t> = ['one', 'two', 'three’]</a:t>
-            </a:r>
-          </a:p>
-          <a:p>
-            <a:pPr marL="0" indent="0">
-              <a:buNone/>
-            </a:pPr>
-            <a:r>
-              <a:rPr lang="en-GB" dirty="0"/>
-              <a:t> </a:t>
-            </a:r>
-            <a:r>
-              <a:rPr lang="en-GB" dirty="0" err="1"/>
-              <a:t>starts_with_t</a:t>
-            </a:r>
-            <a:r>
-              <a:rPr lang="en-GB" dirty="0"/>
-              <a:t> = ['yes' </a:t>
-            </a:r>
-            <a:r>
-              <a:rPr lang="en-GB" b="1" dirty="0"/>
-              <a:t>if</a:t>
-            </a:r>
-            <a:r>
-              <a:rPr lang="en-GB" dirty="0"/>
-              <a:t> s[0] == 't' </a:t>
-            </a:r>
-            <a:r>
-              <a:rPr lang="en-GB" b="1" dirty="0"/>
-              <a:t>else</a:t>
-            </a:r>
-            <a:r>
-              <a:rPr lang="en-GB" dirty="0"/>
-              <a:t> 'no' </a:t>
-            </a:r>
-            <a:r>
-              <a:rPr lang="en-GB" b="1" dirty="0"/>
-              <a:t>for</a:t>
-            </a:r>
-            <a:r>
-              <a:rPr lang="en-GB" dirty="0"/>
-              <a:t> s </a:t>
-            </a:r>
-            <a:r>
-              <a:rPr lang="en-GB" b="1" dirty="0"/>
-              <a:t>in</a:t>
-            </a:r>
-            <a:r>
-              <a:rPr lang="en-GB" dirty="0"/>
-              <a:t> </a:t>
-            </a:r>
-            <a:r>
-              <a:rPr lang="en-GB" dirty="0" err="1"/>
-              <a:t>string_nums</a:t>
-            </a:r>
-            <a:r>
-              <a:rPr lang="en-GB" dirty="0"/>
-              <a:t>] </a:t>
-            </a:r>
-            <a:r>
-              <a:rPr lang="en-GB" dirty="0">
-                <a:sym typeface="Wingdings" pitchFamily="2" charset="2"/>
-              </a:rPr>
-              <a:t></a:t>
-            </a:r>
-          </a:p>
-          <a:p>
-            <a:pPr marL="0" indent="0">
-              <a:buNone/>
-            </a:pPr>
-            <a:r>
-              <a:rPr lang="en-ES" altLang="en-ES" dirty="0">
-                <a:solidFill>
-                  <a:srgbClr val="333333"/>
-                </a:solidFill>
-                <a:latin typeface="var(--jp-code-font-family)"/>
-              </a:rPr>
-              <a:t>['no', 'yes', 'yes’] </a:t>
-            </a:r>
-          </a:p>
-          <a:p>
-            <a:pPr marL="0" indent="0">
-              <a:buNone/>
-            </a:pPr>
-            <a:endParaRPr lang="en-ES" altLang="en-ES" dirty="0">
-              <a:solidFill>
-                <a:srgbClr val="333333"/>
-              </a:solidFill>
-              <a:latin typeface="var(--jp-code-font-family)"/>
-            </a:endParaRPr>
-          </a:p>
-          <a:p>
-            <a:pPr marL="0" indent="0">
-              <a:buNone/>
-            </a:pPr>
-            <a:r>
-              <a:rPr lang="en-ES" altLang="en-ES" dirty="0">
-                <a:latin typeface="var(--jp-code-font-family)"/>
-              </a:rPr>
-              <a:t>*Similarly used with dictionaries, sets</a:t>
-            </a:r>
-            <a:endParaRPr lang="en-ES" altLang="en-ES" dirty="0"/>
+              <a:t> 0,1,2,3,4,5</a:t>
+            </a:r>
+            <a:endParaRPr lang="en-ES" dirty="0"/>
           </a:p>
         </p:txBody>
       </p:sp>
     </p:spTree>
     <p:extLst>
       <p:ext uri="{BB962C8B-B14F-4D97-AF65-F5344CB8AC3E}">
-        <p14:creationId xmlns:p14="http://schemas.microsoft.com/office/powerpoint/2010/main" val="4124341227"/>
+        <p14:creationId xmlns:p14="http://schemas.microsoft.com/office/powerpoint/2010/main" val="4284320203"/>
       </p:ext>
     </p:extLst>
   </p:cSld>
@@ -6640,7 +6743,7 @@
           <p:cNvPr id="2" name="Title 1">
             <a:extLst>
               <a:ext uri="{FF2B5EF4-FFF2-40B4-BE49-F238E27FC236}">
-                <a16:creationId xmlns:a16="http://schemas.microsoft.com/office/drawing/2014/main" id="{E4A2D73A-58B9-A884-157F-73506B4E3FB7}"/>
+                <a16:creationId xmlns:a16="http://schemas.microsoft.com/office/drawing/2014/main" id="{E857CD18-868C-7E1B-9AB0-53B55C35F6A8}"/>
               </a:ext>
             </a:extLst>
           </p:cNvPr>
@@ -6658,62 +6761,253 @@
           <a:p>
             <a:r>
               <a:rPr lang="en-ES" dirty="0"/>
-              <a:t>Functions</a:t>
-            </a:r>
-          </a:p>
-        </p:txBody>
-      </p:sp>
-      <p:pic>
-        <p:nvPicPr>
-          <p:cNvPr id="5122" name="Picture 2" descr="Python Functions - Learn By Example">
+              <a:t>Loops</a:t>
+            </a:r>
+          </a:p>
+        </p:txBody>
+      </p:sp>
+      <p:sp>
+        <p:nvSpPr>
+          <p:cNvPr id="3" name="Content Placeholder 2">
             <a:extLst>
               <a:ext uri="{FF2B5EF4-FFF2-40B4-BE49-F238E27FC236}">
-                <a16:creationId xmlns:a16="http://schemas.microsoft.com/office/drawing/2014/main" id="{C5F724B0-A876-7F89-967F-98F2A9D27865}"/>
+                <a16:creationId xmlns:a16="http://schemas.microsoft.com/office/drawing/2014/main" id="{A8D705F1-DB19-7A42-3FB7-D8C3372F3473}"/>
               </a:ext>
             </a:extLst>
           </p:cNvPr>
-          <p:cNvPicPr>
-            <a:picLocks noChangeAspect="1" noChangeArrowheads="1"/>
-          </p:cNvPicPr>
-          <p:nvPr/>
-        </p:nvPicPr>
-        <p:blipFill>
-          <a:blip r:embed="rId2">
-            <a:extLst>
-              <a:ext uri="{28A0092B-C50C-407E-A947-70E740481C1C}">
-                <a14:useLocalDpi xmlns:a14="http://schemas.microsoft.com/office/drawing/2010/main" val="0"/>
-              </a:ext>
-            </a:extLst>
-          </a:blip>
-          <a:srcRect/>
-          <a:stretch>
-            <a:fillRect/>
-          </a:stretch>
-        </p:blipFill>
-        <p:spPr bwMode="auto">
-          <a:xfrm>
-            <a:off x="3583825" y="1322602"/>
-            <a:ext cx="8033980" cy="4212796"/>
-          </a:xfrm>
-          <a:prstGeom prst="rect">
-            <a:avLst/>
-          </a:prstGeom>
-          <a:noFill/>
-          <a:extLst>
-            <a:ext uri="{909E8E84-426E-40DD-AFC4-6F175D3DCCD1}">
-              <a14:hiddenFill xmlns:a14="http://schemas.microsoft.com/office/drawing/2010/main">
+          <p:cNvSpPr>
+            <a:spLocks noGrp="1"/>
+          </p:cNvSpPr>
+          <p:nvPr>
+            <p:ph idx="1"/>
+          </p:nvPr>
+        </p:nvSpPr>
+        <p:spPr/>
+        <p:txBody>
+          <a:bodyPr/>
+          <a:lstStyle/>
+          <a:p>
+            <a:r>
+              <a:rPr lang="en-ES" dirty="0"/>
+              <a:t>For loops can also be written in one line –</a:t>
+            </a:r>
+            <a:r>
+              <a:rPr lang="en-ES" b="1" dirty="0"/>
+              <a:t> list* comprehension:</a:t>
+            </a:r>
+          </a:p>
+          <a:p>
+            <a:pPr marL="0" indent="0">
+              <a:buNone/>
+            </a:pPr>
+            <a:r>
+              <a:rPr lang="en-GB" dirty="0" err="1"/>
+              <a:t>nums</a:t>
+            </a:r>
+            <a:r>
+              <a:rPr lang="en-GB" dirty="0"/>
+              <a:t> = [0, 1, 2, 3, 4] </a:t>
+            </a:r>
+          </a:p>
+          <a:p>
+            <a:pPr marL="0" indent="0">
+              <a:buNone/>
+            </a:pPr>
+            <a:r>
+              <a:rPr lang="en-GB" dirty="0"/>
+              <a:t>squares = [x ** 2 </a:t>
+            </a:r>
+            <a:r>
+              <a:rPr lang="en-GB" b="1" dirty="0"/>
+              <a:t>for</a:t>
+            </a:r>
+            <a:r>
+              <a:rPr lang="en-GB" dirty="0"/>
+              <a:t> x </a:t>
+            </a:r>
+            <a:r>
+              <a:rPr lang="en-GB" b="1" dirty="0"/>
+              <a:t>in</a:t>
+            </a:r>
+            <a:r>
+              <a:rPr lang="en-GB" dirty="0"/>
+              <a:t> </a:t>
+            </a:r>
+            <a:r>
+              <a:rPr lang="en-GB" dirty="0" err="1"/>
+              <a:t>nums</a:t>
+            </a:r>
+            <a:r>
+              <a:rPr lang="en-GB" dirty="0"/>
+              <a:t>] </a:t>
+            </a:r>
+            <a:r>
+              <a:rPr lang="en-GB" dirty="0">
+                <a:sym typeface="Wingdings" pitchFamily="2" charset="2"/>
+              </a:rPr>
+              <a:t></a:t>
+            </a:r>
+          </a:p>
+          <a:p>
+            <a:pPr marL="0" indent="0">
+              <a:buNone/>
+            </a:pPr>
+            <a:r>
+              <a:rPr lang="en-ES" altLang="en-ES" dirty="0">
                 <a:solidFill>
-                  <a:srgbClr val="FFFFFF"/>
+                  <a:srgbClr val="333333"/>
                 </a:solidFill>
-              </a14:hiddenFill>
-            </a:ext>
-          </a:extLst>
-        </p:spPr>
-      </p:pic>
+                <a:latin typeface="var(--jp-code-font-family)"/>
+              </a:rPr>
+              <a:t>[0, 1, 4, 9, 16] </a:t>
+            </a:r>
+            <a:endParaRPr lang="en-ES" altLang="en-ES" dirty="0">
+              <a:solidFill>
+                <a:schemeClr val="tx1"/>
+              </a:solidFill>
+            </a:endParaRPr>
+          </a:p>
+          <a:p>
+            <a:pPr marL="0" indent="0">
+              <a:buNone/>
+            </a:pPr>
+            <a:endParaRPr lang="en-GB" dirty="0"/>
+          </a:p>
+          <a:p>
+            <a:pPr marL="0" indent="0">
+              <a:buNone/>
+            </a:pPr>
+            <a:endParaRPr lang="en-GB" b="1" dirty="0"/>
+          </a:p>
+          <a:p>
+            <a:r>
+              <a:rPr lang="en-GB" dirty="0"/>
+              <a:t>These can also incorporate </a:t>
+            </a:r>
+            <a:r>
+              <a:rPr lang="en-GB" i="1" dirty="0"/>
+              <a:t>if conditions:</a:t>
+            </a:r>
+          </a:p>
+          <a:p>
+            <a:pPr marL="0" indent="0">
+              <a:buNone/>
+            </a:pPr>
+            <a:r>
+              <a:rPr lang="en-GB" dirty="0" err="1"/>
+              <a:t>string_nums</a:t>
+            </a:r>
+            <a:r>
+              <a:rPr lang="en-GB" dirty="0"/>
+              <a:t> = ['one', 'two', 'three’]</a:t>
+            </a:r>
+          </a:p>
+          <a:p>
+            <a:pPr marL="0" indent="0">
+              <a:buNone/>
+            </a:pPr>
+            <a:r>
+              <a:rPr lang="en-GB" dirty="0"/>
+              <a:t> </a:t>
+            </a:r>
+            <a:r>
+              <a:rPr lang="en-GB" dirty="0" err="1"/>
+              <a:t>starts_with_t</a:t>
+            </a:r>
+            <a:r>
+              <a:rPr lang="en-GB" dirty="0"/>
+              <a:t> = ['yes' </a:t>
+            </a:r>
+            <a:r>
+              <a:rPr lang="en-GB" b="1" dirty="0"/>
+              <a:t>if</a:t>
+            </a:r>
+            <a:r>
+              <a:rPr lang="en-GB" dirty="0"/>
+              <a:t> s[0] == 't' </a:t>
+            </a:r>
+            <a:r>
+              <a:rPr lang="en-GB" b="1" dirty="0"/>
+              <a:t>else</a:t>
+            </a:r>
+            <a:r>
+              <a:rPr lang="en-GB" dirty="0"/>
+              <a:t> 'no' </a:t>
+            </a:r>
+            <a:r>
+              <a:rPr lang="en-GB" b="1" dirty="0"/>
+              <a:t>for</a:t>
+            </a:r>
+            <a:r>
+              <a:rPr lang="en-GB" dirty="0"/>
+              <a:t> s </a:t>
+            </a:r>
+            <a:r>
+              <a:rPr lang="en-GB" b="1" dirty="0"/>
+              <a:t>in</a:t>
+            </a:r>
+            <a:r>
+              <a:rPr lang="en-GB" dirty="0"/>
+              <a:t> </a:t>
+            </a:r>
+            <a:r>
+              <a:rPr lang="en-GB" dirty="0" err="1"/>
+              <a:t>string_nums</a:t>
+            </a:r>
+            <a:r>
+              <a:rPr lang="en-GB" dirty="0"/>
+              <a:t>] </a:t>
+            </a:r>
+            <a:r>
+              <a:rPr lang="en-GB" dirty="0">
+                <a:sym typeface="Wingdings" pitchFamily="2" charset="2"/>
+              </a:rPr>
+              <a:t></a:t>
+            </a:r>
+          </a:p>
+          <a:p>
+            <a:pPr marL="0" indent="0">
+              <a:buNone/>
+            </a:pPr>
+            <a:r>
+              <a:rPr lang="en-ES" altLang="en-ES" dirty="0">
+                <a:solidFill>
+                  <a:srgbClr val="333333"/>
+                </a:solidFill>
+                <a:latin typeface="var(--jp-code-font-family)"/>
+              </a:rPr>
+              <a:t>['no', 'yes', 'yes’] </a:t>
+            </a:r>
+          </a:p>
+          <a:p>
+            <a:pPr marL="0" indent="0">
+              <a:buNone/>
+            </a:pPr>
+            <a:endParaRPr lang="en-ES" altLang="en-ES" dirty="0">
+              <a:solidFill>
+                <a:srgbClr val="333333"/>
+              </a:solidFill>
+              <a:latin typeface="var(--jp-code-font-family)"/>
+            </a:endParaRPr>
+          </a:p>
+          <a:p>
+            <a:pPr marL="0" indent="0">
+              <a:buNone/>
+            </a:pPr>
+            <a:r>
+              <a:rPr lang="en-ES" altLang="en-ES" dirty="0">
+                <a:latin typeface="var(--jp-code-font-family)"/>
+              </a:rPr>
+              <a:t>*Similarly used with dictionaries, sets</a:t>
+            </a:r>
+            <a:endParaRPr lang="en-ES" altLang="en-ES" dirty="0"/>
+          </a:p>
+        </p:txBody>
+      </p:sp>
     </p:spTree>
     <p:extLst>
       <p:ext uri="{BB962C8B-B14F-4D97-AF65-F5344CB8AC3E}">
-        <p14:creationId xmlns:p14="http://schemas.microsoft.com/office/powerpoint/2010/main" val="3410948905"/>
+        <p14:creationId xmlns:p14="http://schemas.microsoft.com/office/powerpoint/2010/main" val="4124341227"/>
       </p:ext>
     </p:extLst>
   </p:cSld>
@@ -6893,7 +7187,7 @@
           <p:cNvPr id="2" name="Title 1">
             <a:extLst>
               <a:ext uri="{FF2B5EF4-FFF2-40B4-BE49-F238E27FC236}">
-                <a16:creationId xmlns:a16="http://schemas.microsoft.com/office/drawing/2014/main" id="{FCC43C1B-5AF9-672E-9B78-E50DE57ACFA9}"/>
+                <a16:creationId xmlns:a16="http://schemas.microsoft.com/office/drawing/2014/main" id="{E4A2D73A-58B9-A884-157F-73506B4E3FB7}"/>
               </a:ext>
             </a:extLst>
           </p:cNvPr>
@@ -6916,81 +7210,57 @@
           </a:p>
         </p:txBody>
       </p:sp>
-      <p:sp>
-        <p:nvSpPr>
-          <p:cNvPr id="3" name="Content Placeholder 2">
+      <p:pic>
+        <p:nvPicPr>
+          <p:cNvPr id="5122" name="Picture 2" descr="Python Functions - Learn By Example">
             <a:extLst>
               <a:ext uri="{FF2B5EF4-FFF2-40B4-BE49-F238E27FC236}">
-                <a16:creationId xmlns:a16="http://schemas.microsoft.com/office/drawing/2014/main" id="{AD0D41A7-1B42-BEAF-9036-A82EA4F87CA1}"/>
+                <a16:creationId xmlns:a16="http://schemas.microsoft.com/office/drawing/2014/main" id="{C5F724B0-A876-7F89-967F-98F2A9D27865}"/>
               </a:ext>
             </a:extLst>
           </p:cNvPr>
-          <p:cNvSpPr>
-            <a:spLocks noGrp="1"/>
-          </p:cNvSpPr>
-          <p:nvPr>
-            <p:ph idx="1"/>
-          </p:nvPr>
-        </p:nvSpPr>
-        <p:spPr/>
-        <p:txBody>
-          <a:bodyPr/>
-          <a:lstStyle/>
-          <a:p>
-            <a:pPr marL="0" indent="0">
-              <a:buNone/>
-            </a:pPr>
-            <a:r>
-              <a:rPr lang="en-GB" dirty="0"/>
-              <a:t>From a function's perspective:</a:t>
-            </a:r>
-          </a:p>
-          <a:p>
-            <a:r>
-              <a:rPr lang="en-GB" dirty="0"/>
-              <a:t>A </a:t>
-            </a:r>
-            <a:r>
-              <a:rPr lang="en-GB" b="1" dirty="0"/>
-              <a:t>parameter</a:t>
-            </a:r>
-            <a:r>
-              <a:rPr lang="en-GB" dirty="0"/>
-              <a:t> is the variable listed inside the parentheses in the function definition.</a:t>
-            </a:r>
-          </a:p>
-          <a:p>
-            <a:r>
-              <a:rPr lang="en-GB" dirty="0"/>
-              <a:t>An </a:t>
-            </a:r>
-            <a:r>
-              <a:rPr lang="en-GB" b="1" dirty="0"/>
-              <a:t>argument</a:t>
-            </a:r>
-            <a:r>
-              <a:rPr lang="en-GB" dirty="0"/>
-              <a:t> is the value that is sent to the function when it is called.</a:t>
-            </a:r>
-          </a:p>
-          <a:p>
-            <a:endParaRPr lang="en-GB" dirty="0"/>
-          </a:p>
-          <a:p>
-            <a:r>
-              <a:rPr lang="en-GB" dirty="0"/>
-              <a:t>Functions are an integral part of your script, and don’t need to be specified in a different file.</a:t>
-            </a:r>
-          </a:p>
-          <a:p>
-            <a:endParaRPr lang="en-ES" dirty="0"/>
-          </a:p>
-        </p:txBody>
-      </p:sp>
+          <p:cNvPicPr>
+            <a:picLocks noChangeAspect="1" noChangeArrowheads="1"/>
+          </p:cNvPicPr>
+          <p:nvPr/>
+        </p:nvPicPr>
+        <p:blipFill>
+          <a:blip r:embed="rId2">
+            <a:extLst>
+              <a:ext uri="{28A0092B-C50C-407E-A947-70E740481C1C}">
+                <a14:useLocalDpi xmlns:a14="http://schemas.microsoft.com/office/drawing/2010/main" val="0"/>
+              </a:ext>
+            </a:extLst>
+          </a:blip>
+          <a:srcRect/>
+          <a:stretch>
+            <a:fillRect/>
+          </a:stretch>
+        </p:blipFill>
+        <p:spPr bwMode="auto">
+          <a:xfrm>
+            <a:off x="3583825" y="1322602"/>
+            <a:ext cx="8033980" cy="4212796"/>
+          </a:xfrm>
+          <a:prstGeom prst="rect">
+            <a:avLst/>
+          </a:prstGeom>
+          <a:noFill/>
+          <a:extLst>
+            <a:ext uri="{909E8E84-426E-40DD-AFC4-6F175D3DCCD1}">
+              <a14:hiddenFill xmlns:a14="http://schemas.microsoft.com/office/drawing/2010/main">
+                <a:solidFill>
+                  <a:srgbClr val="FFFFFF"/>
+                </a:solidFill>
+              </a14:hiddenFill>
+            </a:ext>
+          </a:extLst>
+        </p:spPr>
+      </p:pic>
     </p:spTree>
     <p:extLst>
       <p:ext uri="{BB962C8B-B14F-4D97-AF65-F5344CB8AC3E}">
-        <p14:creationId xmlns:p14="http://schemas.microsoft.com/office/powerpoint/2010/main" val="1773504716"/>
+        <p14:creationId xmlns:p14="http://schemas.microsoft.com/office/powerpoint/2010/main" val="3410948905"/>
       </p:ext>
     </p:extLst>
   </p:cSld>
@@ -7022,7 +7292,7 @@
           <p:cNvPr id="2" name="Title 1">
             <a:extLst>
               <a:ext uri="{FF2B5EF4-FFF2-40B4-BE49-F238E27FC236}">
-                <a16:creationId xmlns:a16="http://schemas.microsoft.com/office/drawing/2014/main" id="{2038C472-F4CE-10F2-191A-00B75D9D6AC4}"/>
+                <a16:creationId xmlns:a16="http://schemas.microsoft.com/office/drawing/2014/main" id="{FCC43C1B-5AF9-672E-9B78-E50DE57ACFA9}"/>
               </a:ext>
             </a:extLst>
           </p:cNvPr>
@@ -7040,7 +7310,7 @@
           <a:p>
             <a:r>
               <a:rPr lang="en-ES" dirty="0"/>
-              <a:t>Functions – default parameter val</a:t>
+              <a:t>Functions</a:t>
             </a:r>
           </a:p>
         </p:txBody>
@@ -7050,7 +7320,7 @@
           <p:cNvPr id="3" name="Content Placeholder 2">
             <a:extLst>
               <a:ext uri="{FF2B5EF4-FFF2-40B4-BE49-F238E27FC236}">
-                <a16:creationId xmlns:a16="http://schemas.microsoft.com/office/drawing/2014/main" id="{BC0221EC-DE8D-6411-E839-62970E4324EB}"/>
+                <a16:creationId xmlns:a16="http://schemas.microsoft.com/office/drawing/2014/main" id="{AD0D41A7-1B42-BEAF-9036-A82EA4F87CA1}"/>
               </a:ext>
             </a:extLst>
           </p:cNvPr>
@@ -7066,70 +7336,52 @@
           <a:bodyPr/>
           <a:lstStyle/>
           <a:p>
-            <a:r>
-              <a:rPr lang="en-GB" dirty="0"/>
-              <a:t>If we call the function without argument, we need to set the default parameter value:</a:t>
-            </a:r>
-          </a:p>
-          <a:p>
-            <a:pPr marL="0" indent="0">
-              <a:buNone/>
-            </a:pPr>
-            <a:r>
-              <a:rPr lang="en-GB" dirty="0"/>
-              <a:t>def </a:t>
-            </a:r>
-            <a:r>
-              <a:rPr lang="en-GB" dirty="0" err="1"/>
-              <a:t>my_function</a:t>
-            </a:r>
-            <a:r>
-              <a:rPr lang="en-GB" dirty="0"/>
-              <a:t>(</a:t>
+            <a:pPr marL="0" indent="0">
+              <a:buNone/>
+            </a:pPr>
+            <a:r>
+              <a:rPr lang="en-GB" dirty="0"/>
+              <a:t>From a function's perspective:</a:t>
+            </a:r>
+          </a:p>
+          <a:p>
+            <a:r>
+              <a:rPr lang="en-GB" dirty="0"/>
+              <a:t>A </a:t>
             </a:r>
             <a:r>
               <a:rPr lang="en-GB" b="1" dirty="0"/>
-              <a:t>country = "Norway"</a:t>
-            </a:r>
-            <a:r>
-              <a:rPr lang="en-GB" dirty="0"/>
-              <a:t>):</a:t>
-            </a:r>
-            <a:br>
-              <a:rPr lang="en-GB" dirty="0"/>
-            </a:br>
-            <a:r>
-              <a:rPr lang="en-GB" dirty="0"/>
-              <a:t>  print("I am from " + country)</a:t>
-            </a:r>
-            <a:br>
-              <a:rPr lang="en-GB" dirty="0"/>
-            </a:br>
-            <a:br>
-              <a:rPr lang="en-GB" dirty="0"/>
-            </a:br>
-            <a:r>
-              <a:rPr lang="en-GB" dirty="0" err="1"/>
-              <a:t>my_function</a:t>
-            </a:r>
-            <a:r>
-              <a:rPr lang="en-GB" dirty="0"/>
-              <a:t>(”Spain")</a:t>
-            </a:r>
-            <a:br>
-              <a:rPr lang="en-GB" dirty="0"/>
-            </a:br>
-            <a:r>
-              <a:rPr lang="en-GB" dirty="0" err="1"/>
-              <a:t>my_function</a:t>
-            </a:r>
-            <a:r>
-              <a:rPr lang="en-GB" dirty="0"/>
-              <a:t>()</a:t>
-            </a:r>
-            <a:br>
-              <a:rPr lang="en-GB" dirty="0"/>
-            </a:br>
+              <a:t>parameter</a:t>
+            </a:r>
+            <a:r>
+              <a:rPr lang="en-GB" dirty="0"/>
+              <a:t> is the variable listed inside the parentheses in the function definition.</a:t>
+            </a:r>
+          </a:p>
+          <a:p>
+            <a:r>
+              <a:rPr lang="en-GB" dirty="0"/>
+              <a:t>An </a:t>
+            </a:r>
+            <a:r>
+              <a:rPr lang="en-GB" b="1" dirty="0"/>
+              <a:t>argument</a:t>
+            </a:r>
+            <a:r>
+              <a:rPr lang="en-GB" dirty="0"/>
+              <a:t> is the value that is sent to the function when it is called.</a:t>
+            </a:r>
+          </a:p>
+          <a:p>
+            <a:endParaRPr lang="en-GB" dirty="0"/>
+          </a:p>
+          <a:p>
+            <a:r>
+              <a:rPr lang="en-GB" dirty="0"/>
+              <a:t>Functions are an integral part of your script, and don’t need to be specified in a different file.</a:t>
+            </a:r>
+          </a:p>
+          <a:p>
             <a:endParaRPr lang="en-ES" dirty="0"/>
           </a:p>
         </p:txBody>
@@ -7137,7 +7389,7 @@
     </p:spTree>
     <p:extLst>
       <p:ext uri="{BB962C8B-B14F-4D97-AF65-F5344CB8AC3E}">
-        <p14:creationId xmlns:p14="http://schemas.microsoft.com/office/powerpoint/2010/main" val="849014850"/>
+        <p14:creationId xmlns:p14="http://schemas.microsoft.com/office/powerpoint/2010/main" val="1773504716"/>
       </p:ext>
     </p:extLst>
   </p:cSld>
@@ -7169,7 +7421,7 @@
           <p:cNvPr id="2" name="Title 1">
             <a:extLst>
               <a:ext uri="{FF2B5EF4-FFF2-40B4-BE49-F238E27FC236}">
-                <a16:creationId xmlns:a16="http://schemas.microsoft.com/office/drawing/2014/main" id="{4C7FCEF1-CB6A-8621-FEF5-A13072A997D1}"/>
+                <a16:creationId xmlns:a16="http://schemas.microsoft.com/office/drawing/2014/main" id="{2038C472-F4CE-10F2-191A-00B75D9D6AC4}"/>
               </a:ext>
             </a:extLst>
           </p:cNvPr>
@@ -7187,7 +7439,7 @@
           <a:p>
             <a:r>
               <a:rPr lang="en-ES" dirty="0"/>
-              <a:t>Functions – arbitrary args</a:t>
+              <a:t>Functions – default parameter val</a:t>
             </a:r>
           </a:p>
         </p:txBody>
@@ -7197,7 +7449,7 @@
           <p:cNvPr id="3" name="Content Placeholder 2">
             <a:extLst>
               <a:ext uri="{FF2B5EF4-FFF2-40B4-BE49-F238E27FC236}">
-                <a16:creationId xmlns:a16="http://schemas.microsoft.com/office/drawing/2014/main" id="{1A155855-9889-E24F-D658-36DDA917D4D2}"/>
+                <a16:creationId xmlns:a16="http://schemas.microsoft.com/office/drawing/2014/main" id="{BC0221EC-DE8D-6411-E839-62970E4324EB}"/>
               </a:ext>
             </a:extLst>
           </p:cNvPr>
@@ -7208,315 +7460,75 @@
             <p:ph idx="1"/>
           </p:nvPr>
         </p:nvSpPr>
-        <p:spPr>
-          <a:xfrm>
-            <a:off x="3869268" y="864108"/>
-            <a:ext cx="7315200" cy="5993892"/>
-          </a:xfrm>
-        </p:spPr>
-        <p:txBody>
-          <a:bodyPr>
-            <a:normAutofit/>
-          </a:bodyPr>
+        <p:spPr/>
+        <p:txBody>
+          <a:bodyPr/>
           <a:lstStyle/>
           <a:p>
             <a:r>
               <a:rPr lang="en-GB" dirty="0"/>
-              <a:t>If you do not know how many arguments will be passed into your function, add a</a:t>
+              <a:t>If we call the function without argument, we need to set the default parameter value:</a:t>
+            </a:r>
+          </a:p>
+          <a:p>
+            <a:pPr marL="0" indent="0">
+              <a:buNone/>
+            </a:pPr>
+            <a:r>
+              <a:rPr lang="en-GB" dirty="0"/>
+              <a:t>def </a:t>
+            </a:r>
+            <a:r>
+              <a:rPr lang="en-GB" dirty="0" err="1"/>
+              <a:t>my_function</a:t>
+            </a:r>
+            <a:r>
+              <a:rPr lang="en-GB" dirty="0"/>
+              <a:t>(</a:t>
             </a:r>
             <a:r>
               <a:rPr lang="en-GB" b="1" dirty="0"/>
-              <a:t> * </a:t>
-            </a:r>
-            <a:r>
-              <a:rPr lang="en-GB" dirty="0"/>
-              <a:t>before the parameter name in the function definition (this is referred to as </a:t>
-            </a:r>
-            <a:r>
-              <a:rPr lang="en-GB" b="1" dirty="0"/>
-              <a:t>*</a:t>
-            </a:r>
-            <a:r>
-              <a:rPr lang="en-GB" b="1" dirty="0" err="1"/>
-              <a:t>args</a:t>
-            </a:r>
-            <a:r>
-              <a:rPr lang="en-GB" dirty="0"/>
-              <a:t>)</a:t>
-            </a:r>
-          </a:p>
-          <a:p>
-            <a:r>
-              <a:rPr lang="en-GB" dirty="0"/>
-              <a:t>This way the function will receive a </a:t>
-            </a:r>
-            <a:r>
-              <a:rPr lang="en-GB" i="1" dirty="0"/>
-              <a:t>tuple</a:t>
-            </a:r>
-            <a:r>
-              <a:rPr lang="en-GB" dirty="0"/>
-              <a:t> of arguments, and can access the items accordingly</a:t>
-            </a:r>
-          </a:p>
-          <a:p>
-            <a:pPr marL="0" indent="0">
-              <a:buNone/>
-            </a:pPr>
-            <a:r>
-              <a:rPr lang="en-GB" b="1" dirty="0"/>
-              <a:t>def</a:t>
-            </a:r>
-            <a:r>
-              <a:rPr lang="en-GB" dirty="0"/>
-              <a:t> </a:t>
-            </a:r>
+              <a:t>country = "Norway"</a:t>
+            </a:r>
+            <a:r>
+              <a:rPr lang="en-GB" dirty="0"/>
+              <a:t>):</a:t>
+            </a:r>
+            <a:br>
+              <a:rPr lang="en-GB" dirty="0"/>
+            </a:br>
+            <a:r>
+              <a:rPr lang="en-GB" dirty="0"/>
+              <a:t>  print("I am from " + country)</a:t>
+            </a:r>
+            <a:br>
+              <a:rPr lang="en-GB" dirty="0"/>
+            </a:br>
+            <a:br>
+              <a:rPr lang="en-GB" dirty="0"/>
+            </a:br>
             <a:r>
               <a:rPr lang="en-GB" dirty="0" err="1"/>
-              <a:t>test_var_args</a:t>
-            </a:r>
-            <a:r>
-              <a:rPr lang="en-GB" dirty="0"/>
-              <a:t>(</a:t>
-            </a:r>
+              <a:t>my_function</a:t>
+            </a:r>
+            <a:r>
+              <a:rPr lang="en-GB" dirty="0"/>
+              <a:t>(”Spain")</a:t>
+            </a:r>
+            <a:br>
+              <a:rPr lang="en-GB" dirty="0"/>
+            </a:br>
             <a:r>
               <a:rPr lang="en-GB" dirty="0" err="1"/>
-              <a:t>f_arg</a:t>
-            </a:r>
-            <a:r>
-              <a:rPr lang="en-GB" dirty="0"/>
-              <a:t>, *</a:t>
-            </a:r>
-            <a:r>
-              <a:rPr lang="en-GB" dirty="0" err="1"/>
-              <a:t>argv</a:t>
-            </a:r>
-            <a:r>
-              <a:rPr lang="en-GB" dirty="0"/>
-              <a:t>): </a:t>
-            </a:r>
-          </a:p>
-          <a:p>
-            <a:pPr marL="0" indent="0">
-              <a:buNone/>
-            </a:pPr>
-            <a:r>
-              <a:rPr lang="en-GB" dirty="0"/>
-              <a:t>    print("first normal </a:t>
-            </a:r>
-            <a:r>
-              <a:rPr lang="en-GB" dirty="0" err="1"/>
-              <a:t>arg</a:t>
-            </a:r>
-            <a:r>
-              <a:rPr lang="en-GB" dirty="0"/>
-              <a:t>:", </a:t>
-            </a:r>
-            <a:r>
-              <a:rPr lang="en-GB" dirty="0" err="1"/>
-              <a:t>f_arg</a:t>
-            </a:r>
-            <a:r>
-              <a:rPr lang="en-GB" dirty="0"/>
-              <a:t>) </a:t>
-            </a:r>
-          </a:p>
-          <a:p>
-            <a:pPr marL="0" indent="0">
-              <a:buNone/>
-            </a:pPr>
-            <a:r>
-              <a:rPr lang="en-GB" b="1" dirty="0"/>
-              <a:t>    for</a:t>
-            </a:r>
-            <a:r>
-              <a:rPr lang="en-GB" dirty="0"/>
-              <a:t> </a:t>
-            </a:r>
-            <a:r>
-              <a:rPr lang="en-GB" dirty="0" err="1"/>
-              <a:t>arg</a:t>
-            </a:r>
-            <a:r>
-              <a:rPr lang="en-GB" dirty="0"/>
-              <a:t> </a:t>
-            </a:r>
-            <a:r>
-              <a:rPr lang="en-GB" b="1" dirty="0"/>
-              <a:t>in</a:t>
-            </a:r>
-            <a:r>
-              <a:rPr lang="en-GB" dirty="0"/>
-              <a:t> </a:t>
-            </a:r>
-            <a:r>
-              <a:rPr lang="en-GB" dirty="0" err="1"/>
-              <a:t>argv</a:t>
-            </a:r>
-            <a:r>
-              <a:rPr lang="en-GB" dirty="0"/>
-              <a:t>: </a:t>
-            </a:r>
-          </a:p>
-          <a:p>
-            <a:pPr marL="0" indent="0">
-              <a:buNone/>
-            </a:pPr>
-            <a:r>
-              <a:rPr lang="en-GB" dirty="0"/>
-              <a:t>        print("another </a:t>
-            </a:r>
-            <a:r>
-              <a:rPr lang="en-GB" dirty="0" err="1"/>
-              <a:t>arg</a:t>
-            </a:r>
-            <a:r>
-              <a:rPr lang="en-GB" dirty="0"/>
-              <a:t> through *</a:t>
-            </a:r>
-            <a:r>
-              <a:rPr lang="en-GB" dirty="0" err="1"/>
-              <a:t>argv</a:t>
-            </a:r>
-            <a:r>
-              <a:rPr lang="en-GB" dirty="0"/>
-              <a:t>:", </a:t>
-            </a:r>
-            <a:r>
-              <a:rPr lang="en-GB" dirty="0" err="1"/>
-              <a:t>arg</a:t>
-            </a:r>
-            <a:r>
-              <a:rPr lang="en-GB" dirty="0"/>
-              <a:t>) </a:t>
-            </a:r>
-          </a:p>
-          <a:p>
-            <a:pPr marL="0" indent="0">
-              <a:buNone/>
-            </a:pPr>
-            <a:r>
-              <a:rPr lang="en-GB" dirty="0" err="1"/>
-              <a:t>test_var_args</a:t>
-            </a:r>
-            <a:r>
-              <a:rPr lang="en-GB" dirty="0"/>
-              <a:t>('</a:t>
-            </a:r>
-            <a:r>
-              <a:rPr lang="en-GB" dirty="0" err="1"/>
-              <a:t>yasoob</a:t>
-            </a:r>
-            <a:r>
-              <a:rPr lang="en-GB" dirty="0"/>
-              <a:t>', 'python', 'eggs', 'test’)</a:t>
-            </a:r>
-          </a:p>
-          <a:p>
-            <a:pPr marL="0" indent="0">
-              <a:buNone/>
-            </a:pPr>
-            <a:endParaRPr lang="en-GB" dirty="0"/>
-          </a:p>
-          <a:p>
-            <a:pPr marL="0" indent="0">
-              <a:buNone/>
-            </a:pPr>
-            <a:r>
-              <a:rPr lang="en-GB" dirty="0"/>
-              <a:t>first normal </a:t>
-            </a:r>
-            <a:r>
-              <a:rPr lang="en-GB" dirty="0" err="1"/>
-              <a:t>arg</a:t>
-            </a:r>
-            <a:r>
-              <a:rPr lang="en-GB" dirty="0"/>
-              <a:t>: </a:t>
-            </a:r>
-            <a:r>
-              <a:rPr lang="en-GB" dirty="0" err="1"/>
-              <a:t>yasoob</a:t>
-            </a:r>
-            <a:r>
-              <a:rPr lang="en-GB" dirty="0"/>
-              <a:t> </a:t>
-            </a:r>
-          </a:p>
-          <a:p>
-            <a:pPr marL="0" indent="0">
-              <a:buNone/>
-            </a:pPr>
-            <a:r>
-              <a:rPr lang="en-GB" dirty="0"/>
-              <a:t>another </a:t>
-            </a:r>
-            <a:r>
-              <a:rPr lang="en-GB" dirty="0" err="1"/>
-              <a:t>arg</a:t>
-            </a:r>
-            <a:r>
-              <a:rPr lang="en-GB" dirty="0"/>
-              <a:t> through *</a:t>
-            </a:r>
-            <a:r>
-              <a:rPr lang="en-GB" dirty="0" err="1"/>
-              <a:t>argv</a:t>
-            </a:r>
-            <a:r>
-              <a:rPr lang="en-GB" dirty="0"/>
-              <a:t>: python </a:t>
-            </a:r>
-          </a:p>
-          <a:p>
-            <a:pPr marL="0" indent="0">
-              <a:buNone/>
-            </a:pPr>
-            <a:r>
-              <a:rPr lang="en-GB" dirty="0"/>
-              <a:t>another </a:t>
-            </a:r>
-            <a:r>
-              <a:rPr lang="en-GB" dirty="0" err="1"/>
-              <a:t>arg</a:t>
-            </a:r>
-            <a:r>
-              <a:rPr lang="en-GB" dirty="0"/>
-              <a:t> through *</a:t>
-            </a:r>
-            <a:r>
-              <a:rPr lang="en-GB" dirty="0" err="1"/>
-              <a:t>argv</a:t>
-            </a:r>
-            <a:r>
-              <a:rPr lang="en-GB" dirty="0"/>
-              <a:t>: eggs </a:t>
-            </a:r>
-          </a:p>
-          <a:p>
-            <a:pPr marL="0" indent="0">
-              <a:buNone/>
-            </a:pPr>
-            <a:r>
-              <a:rPr lang="en-GB" dirty="0"/>
-              <a:t>another </a:t>
-            </a:r>
-            <a:r>
-              <a:rPr lang="en-GB" dirty="0" err="1"/>
-              <a:t>arg</a:t>
-            </a:r>
-            <a:r>
-              <a:rPr lang="en-GB" dirty="0"/>
-              <a:t> through *</a:t>
-            </a:r>
-            <a:r>
-              <a:rPr lang="en-GB" dirty="0" err="1"/>
-              <a:t>argv</a:t>
-            </a:r>
-            <a:r>
-              <a:rPr lang="en-GB" dirty="0"/>
-              <a:t>: test</a:t>
-            </a:r>
+              <a:t>my_function</a:t>
+            </a:r>
+            <a:r>
+              <a:rPr lang="en-GB" dirty="0"/>
+              <a:t>()</a:t>
+            </a:r>
+            <a:br>
+              <a:rPr lang="en-GB" dirty="0"/>
+            </a:br>
             <a:endParaRPr lang="en-ES" dirty="0"/>
           </a:p>
         </p:txBody>
@@ -7524,7 +7536,7 @@
     </p:spTree>
     <p:extLst>
       <p:ext uri="{BB962C8B-B14F-4D97-AF65-F5344CB8AC3E}">
-        <p14:creationId xmlns:p14="http://schemas.microsoft.com/office/powerpoint/2010/main" val="3434533233"/>
+        <p14:creationId xmlns:p14="http://schemas.microsoft.com/office/powerpoint/2010/main" val="849014850"/>
       </p:ext>
     </p:extLst>
   </p:cSld>
@@ -7556,7 +7568,7 @@
           <p:cNvPr id="2" name="Title 1">
             <a:extLst>
               <a:ext uri="{FF2B5EF4-FFF2-40B4-BE49-F238E27FC236}">
-                <a16:creationId xmlns:a16="http://schemas.microsoft.com/office/drawing/2014/main" id="{D5C85167-6A56-3410-0096-915AAEBC0A1A}"/>
+                <a16:creationId xmlns:a16="http://schemas.microsoft.com/office/drawing/2014/main" id="{4C7FCEF1-CB6A-8621-FEF5-A13072A997D1}"/>
               </a:ext>
             </a:extLst>
           </p:cNvPr>
@@ -7574,7 +7586,7 @@
           <a:p>
             <a:r>
               <a:rPr lang="en-ES" dirty="0"/>
-              <a:t>Functions – arbitrary keyword args</a:t>
+              <a:t>Functions – arbitrary args</a:t>
             </a:r>
           </a:p>
         </p:txBody>
@@ -7584,7 +7596,7 @@
           <p:cNvPr id="3" name="Content Placeholder 2">
             <a:extLst>
               <a:ext uri="{FF2B5EF4-FFF2-40B4-BE49-F238E27FC236}">
-                <a16:creationId xmlns:a16="http://schemas.microsoft.com/office/drawing/2014/main" id="{CD37B1C8-66F3-2205-F16A-2DBFDF4EF12F}"/>
+                <a16:creationId xmlns:a16="http://schemas.microsoft.com/office/drawing/2014/main" id="{1A155855-9889-E24F-D658-36DDA917D4D2}"/>
               </a:ext>
             </a:extLst>
           </p:cNvPr>
@@ -7595,68 +7607,55 @@
             <p:ph idx="1"/>
           </p:nvPr>
         </p:nvSpPr>
-        <p:spPr/>
-        <p:txBody>
-          <a:bodyPr/>
+        <p:spPr>
+          <a:xfrm>
+            <a:off x="3869268" y="864108"/>
+            <a:ext cx="7315200" cy="5993892"/>
+          </a:xfrm>
+        </p:spPr>
+        <p:txBody>
+          <a:bodyPr>
+            <a:normAutofit/>
+          </a:bodyPr>
           <a:lstStyle/>
           <a:p>
             <a:r>
               <a:rPr lang="en-GB" dirty="0"/>
-              <a:t>You can also send arguments with the </a:t>
+              <a:t>If you do not know how many arguments will be passed into your function, add a</a:t>
+            </a:r>
+            <a:r>
+              <a:rPr lang="en-GB" b="1" dirty="0"/>
+              <a:t> * </a:t>
+            </a:r>
+            <a:r>
+              <a:rPr lang="en-GB" dirty="0"/>
+              <a:t>before the parameter name in the function definition (this is referred to as </a:t>
+            </a:r>
+            <a:r>
+              <a:rPr lang="en-GB" b="1" dirty="0"/>
+              <a:t>*</a:t>
+            </a:r>
+            <a:r>
+              <a:rPr lang="en-GB" b="1" dirty="0" err="1"/>
+              <a:t>args</a:t>
+            </a:r>
+            <a:r>
+              <a:rPr lang="en-GB" dirty="0"/>
+              <a:t>)</a:t>
+            </a:r>
+          </a:p>
+          <a:p>
+            <a:r>
+              <a:rPr lang="en-GB" dirty="0"/>
+              <a:t>This way the function will receive a </a:t>
             </a:r>
             <a:r>
               <a:rPr lang="en-GB" i="1" dirty="0"/>
-              <a:t>key</a:t>
-            </a:r>
-            <a:r>
-              <a:rPr lang="en-GB" dirty="0"/>
-              <a:t> = </a:t>
-            </a:r>
-            <a:r>
-              <a:rPr lang="en-GB" i="1" dirty="0"/>
-              <a:t>value</a:t>
-            </a:r>
-            <a:r>
-              <a:rPr lang="en-GB" dirty="0"/>
-              <a:t> syntax. This way the order of the arguments does not matter</a:t>
-            </a:r>
-          </a:p>
-          <a:p>
-            <a:r>
-              <a:rPr lang="en-GB" dirty="0"/>
-              <a:t>**</a:t>
-            </a:r>
-            <a:r>
-              <a:rPr lang="en-GB" dirty="0" err="1"/>
-              <a:t>kwargs</a:t>
-            </a:r>
-            <a:r>
-              <a:rPr lang="en-GB" dirty="0"/>
-              <a:t> allows you to pass </a:t>
-            </a:r>
-            <a:r>
-              <a:rPr lang="en-GB" b="1" dirty="0"/>
-              <a:t>keyworded</a:t>
-            </a:r>
-            <a:r>
-              <a:rPr lang="en-GB" dirty="0"/>
-              <a:t> variable length of arguments to a function. You should use **</a:t>
-            </a:r>
-            <a:r>
-              <a:rPr lang="en-GB" dirty="0" err="1"/>
-              <a:t>kwargs</a:t>
-            </a:r>
-            <a:r>
-              <a:rPr lang="en-GB" dirty="0"/>
-              <a:t> if you want to handle </a:t>
-            </a:r>
-            <a:r>
-              <a:rPr lang="en-GB" b="1" dirty="0"/>
-              <a:t>named arguments</a:t>
-            </a:r>
-            <a:r>
-              <a:rPr lang="en-GB" dirty="0"/>
-              <a:t> in a function.</a:t>
+              <a:t>tuple</a:t>
+            </a:r>
+            <a:r>
+              <a:rPr lang="en-GB" dirty="0"/>
+              <a:t> of arguments, and can access the items accordingly</a:t>
             </a:r>
           </a:p>
           <a:p>
@@ -7673,19 +7672,52 @@
             </a:r>
             <a:r>
               <a:rPr lang="en-GB" dirty="0" err="1"/>
-              <a:t>greet_me</a:t>
-            </a:r>
-            <a:r>
-              <a:rPr lang="en-GB" dirty="0"/>
-              <a:t>(**</a:t>
+              <a:t>test_var_args</a:t>
+            </a:r>
+            <a:r>
+              <a:rPr lang="en-GB" dirty="0"/>
+              <a:t>(</a:t>
             </a:r>
             <a:r>
               <a:rPr lang="en-GB" dirty="0" err="1"/>
-              <a:t>kwargs</a:t>
-            </a:r>
-            <a:r>
-              <a:rPr lang="en-GB" dirty="0"/>
-              <a:t>):</a:t>
+              <a:t>f_arg</a:t>
+            </a:r>
+            <a:r>
+              <a:rPr lang="en-GB" dirty="0"/>
+              <a:t>, *</a:t>
+            </a:r>
+            <a:r>
+              <a:rPr lang="en-GB" dirty="0" err="1"/>
+              <a:t>argv</a:t>
+            </a:r>
+            <a:r>
+              <a:rPr lang="en-GB" dirty="0"/>
+              <a:t>): </a:t>
+            </a:r>
+          </a:p>
+          <a:p>
+            <a:pPr marL="0" indent="0">
+              <a:buNone/>
+            </a:pPr>
+            <a:r>
+              <a:rPr lang="en-GB" dirty="0"/>
+              <a:t>    print("first normal </a:t>
+            </a:r>
+            <a:r>
+              <a:rPr lang="en-GB" dirty="0" err="1"/>
+              <a:t>arg</a:t>
+            </a:r>
+            <a:r>
+              <a:rPr lang="en-GB" dirty="0"/>
+              <a:t>:", </a:t>
+            </a:r>
+            <a:r>
+              <a:rPr lang="en-GB" dirty="0" err="1"/>
+              <a:t>f_arg</a:t>
+            </a:r>
+            <a:r>
+              <a:rPr lang="en-GB" dirty="0"/>
+              <a:t>) </a:t>
             </a:r>
           </a:p>
           <a:p>
@@ -7698,7 +7730,15 @@
             </a:r>
             <a:r>
               <a:rPr lang="en-GB" dirty="0"/>
-              <a:t> key, value </a:t>
+              <a:t> </a:t>
+            </a:r>
+            <a:r>
+              <a:rPr lang="en-GB" dirty="0" err="1"/>
+              <a:t>arg</a:t>
+            </a:r>
+            <a:r>
+              <a:rPr lang="en-GB" dirty="0"/>
+              <a:t> </a:t>
             </a:r>
             <a:r>
               <a:rPr lang="en-GB" b="1" dirty="0"/>
@@ -7710,59 +7750,57 @@
             </a:r>
             <a:r>
               <a:rPr lang="en-GB" dirty="0" err="1"/>
-              <a:t>kwargs.items</a:t>
-            </a:r>
-            <a:r>
-              <a:rPr lang="en-GB" dirty="0"/>
-              <a:t>():</a:t>
-            </a:r>
-          </a:p>
-          <a:p>
-            <a:pPr marL="0" indent="0">
-              <a:buNone/>
-            </a:pPr>
-            <a:r>
-              <a:rPr lang="en-GB" dirty="0"/>
-              <a:t>        print("</a:t>
-            </a:r>
-            <a:r>
-              <a:rPr lang="en-GB" i="1" dirty="0"/>
-              <a:t>{0}</a:t>
-            </a:r>
-            <a:r>
-              <a:rPr lang="en-GB" dirty="0"/>
-              <a:t> = </a:t>
-            </a:r>
-            <a:r>
-              <a:rPr lang="en-GB" i="1" dirty="0"/>
-              <a:t>{1}</a:t>
-            </a:r>
-            <a:r>
-              <a:rPr lang="en-GB" dirty="0"/>
-              <a:t>".format(key, value)) </a:t>
-            </a:r>
-          </a:p>
-          <a:p>
-            <a:pPr marL="0" indent="0">
-              <a:buNone/>
-            </a:pPr>
-            <a:endParaRPr lang="en-GB" dirty="0"/>
-          </a:p>
-          <a:p>
-            <a:pPr marL="0" indent="0">
-              <a:buNone/>
-            </a:pPr>
-            <a:r>
-              <a:rPr lang="en-GB" dirty="0"/>
-              <a:t>&gt;&gt;&gt; </a:t>
+              <a:t>argv</a:t>
+            </a:r>
+            <a:r>
+              <a:rPr lang="en-GB" dirty="0"/>
+              <a:t>: </a:t>
+            </a:r>
+          </a:p>
+          <a:p>
+            <a:pPr marL="0" indent="0">
+              <a:buNone/>
+            </a:pPr>
+            <a:r>
+              <a:rPr lang="en-GB" dirty="0"/>
+              <a:t>        print("another </a:t>
             </a:r>
             <a:r>
               <a:rPr lang="en-GB" dirty="0" err="1"/>
-              <a:t>greet_me</a:t>
-            </a:r>
-            <a:r>
-              <a:rPr lang="en-GB" dirty="0"/>
-              <a:t>(name="</a:t>
+              <a:t>arg</a:t>
+            </a:r>
+            <a:r>
+              <a:rPr lang="en-GB" dirty="0"/>
+              <a:t> through *</a:t>
+            </a:r>
+            <a:r>
+              <a:rPr lang="en-GB" dirty="0" err="1"/>
+              <a:t>argv</a:t>
+            </a:r>
+            <a:r>
+              <a:rPr lang="en-GB" dirty="0"/>
+              <a:t>:", </a:t>
+            </a:r>
+            <a:r>
+              <a:rPr lang="en-GB" dirty="0" err="1"/>
+              <a:t>arg</a:t>
+            </a:r>
+            <a:r>
+              <a:rPr lang="en-GB" dirty="0"/>
+              <a:t>) </a:t>
+            </a:r>
+          </a:p>
+          <a:p>
+            <a:pPr marL="0" indent="0">
+              <a:buNone/>
+            </a:pPr>
+            <a:r>
+              <a:rPr lang="en-GB" dirty="0" err="1"/>
+              <a:t>test_var_args</a:t>
+            </a:r>
+            <a:r>
+              <a:rPr lang="en-GB" dirty="0"/>
+              <a:t>('</a:t>
             </a:r>
             <a:r>
               <a:rPr lang="en-GB" dirty="0" err="1"/>
@@ -7770,20 +7808,113 @@
             </a:r>
             <a:r>
               <a:rPr lang="en-GB" dirty="0"/>
-              <a:t>") </a:t>
-            </a:r>
-          </a:p>
-          <a:p>
-            <a:pPr marL="0" indent="0">
-              <a:buNone/>
-            </a:pPr>
-            <a:r>
-              <a:rPr lang="en-GB" dirty="0"/>
-              <a:t>name = </a:t>
+              <a:t>', 'python', 'eggs', 'test’)</a:t>
+            </a:r>
+          </a:p>
+          <a:p>
+            <a:pPr marL="0" indent="0">
+              <a:buNone/>
+            </a:pPr>
+            <a:endParaRPr lang="en-GB" dirty="0"/>
+          </a:p>
+          <a:p>
+            <a:pPr marL="0" indent="0">
+              <a:buNone/>
+            </a:pPr>
+            <a:r>
+              <a:rPr lang="en-GB" dirty="0"/>
+              <a:t>first normal </a:t>
+            </a:r>
+            <a:r>
+              <a:rPr lang="en-GB" dirty="0" err="1"/>
+              <a:t>arg</a:t>
+            </a:r>
+            <a:r>
+              <a:rPr lang="en-GB" dirty="0"/>
+              <a:t>: </a:t>
             </a:r>
             <a:r>
               <a:rPr lang="en-GB" dirty="0" err="1"/>
               <a:t>yasoob</a:t>
+            </a:r>
+            <a:r>
+              <a:rPr lang="en-GB" dirty="0"/>
+              <a:t> </a:t>
+            </a:r>
+          </a:p>
+          <a:p>
+            <a:pPr marL="0" indent="0">
+              <a:buNone/>
+            </a:pPr>
+            <a:r>
+              <a:rPr lang="en-GB" dirty="0"/>
+              <a:t>another </a:t>
+            </a:r>
+            <a:r>
+              <a:rPr lang="en-GB" dirty="0" err="1"/>
+              <a:t>arg</a:t>
+            </a:r>
+            <a:r>
+              <a:rPr lang="en-GB" dirty="0"/>
+              <a:t> through *</a:t>
+            </a:r>
+            <a:r>
+              <a:rPr lang="en-GB" dirty="0" err="1"/>
+              <a:t>argv</a:t>
+            </a:r>
+            <a:r>
+              <a:rPr lang="en-GB" dirty="0"/>
+              <a:t>: python </a:t>
+            </a:r>
+          </a:p>
+          <a:p>
+            <a:pPr marL="0" indent="0">
+              <a:buNone/>
+            </a:pPr>
+            <a:r>
+              <a:rPr lang="en-GB" dirty="0"/>
+              <a:t>another </a:t>
+            </a:r>
+            <a:r>
+              <a:rPr lang="en-GB" dirty="0" err="1"/>
+              <a:t>arg</a:t>
+            </a:r>
+            <a:r>
+              <a:rPr lang="en-GB" dirty="0"/>
+              <a:t> through *</a:t>
+            </a:r>
+            <a:r>
+              <a:rPr lang="en-GB" dirty="0" err="1"/>
+              <a:t>argv</a:t>
+            </a:r>
+            <a:r>
+              <a:rPr lang="en-GB" dirty="0"/>
+              <a:t>: eggs </a:t>
+            </a:r>
+          </a:p>
+          <a:p>
+            <a:pPr marL="0" indent="0">
+              <a:buNone/>
+            </a:pPr>
+            <a:r>
+              <a:rPr lang="en-GB" dirty="0"/>
+              <a:t>another </a:t>
+            </a:r>
+            <a:r>
+              <a:rPr lang="en-GB" dirty="0" err="1"/>
+              <a:t>arg</a:t>
+            </a:r>
+            <a:r>
+              <a:rPr lang="en-GB" dirty="0"/>
+              <a:t> through *</a:t>
+            </a:r>
+            <a:r>
+              <a:rPr lang="en-GB" dirty="0" err="1"/>
+              <a:t>argv</a:t>
+            </a:r>
+            <a:r>
+              <a:rPr lang="en-GB" dirty="0"/>
+              <a:t>: test</a:t>
             </a:r>
             <a:endParaRPr lang="en-ES" dirty="0"/>
           </a:p>
@@ -7792,7 +7923,7 @@
     </p:spTree>
     <p:extLst>
       <p:ext uri="{BB962C8B-B14F-4D97-AF65-F5344CB8AC3E}">
-        <p14:creationId xmlns:p14="http://schemas.microsoft.com/office/powerpoint/2010/main" val="2013674133"/>
+        <p14:creationId xmlns:p14="http://schemas.microsoft.com/office/powerpoint/2010/main" val="3434533233"/>
       </p:ext>
     </p:extLst>
   </p:cSld>
@@ -7821,6 +7952,274 @@
       </p:grpSpPr>
       <p:sp>
         <p:nvSpPr>
+          <p:cNvPr id="2" name="Title 1">
+            <a:extLst>
+              <a:ext uri="{FF2B5EF4-FFF2-40B4-BE49-F238E27FC236}">
+                <a16:creationId xmlns:a16="http://schemas.microsoft.com/office/drawing/2014/main" id="{D5C85167-6A56-3410-0096-915AAEBC0A1A}"/>
+              </a:ext>
+            </a:extLst>
+          </p:cNvPr>
+          <p:cNvSpPr>
+            <a:spLocks noGrp="1"/>
+          </p:cNvSpPr>
+          <p:nvPr>
+            <p:ph type="title"/>
+          </p:nvPr>
+        </p:nvSpPr>
+        <p:spPr/>
+        <p:txBody>
+          <a:bodyPr/>
+          <a:lstStyle/>
+          <a:p>
+            <a:r>
+              <a:rPr lang="en-ES" dirty="0"/>
+              <a:t>Functions – arbitrary keyword args</a:t>
+            </a:r>
+          </a:p>
+        </p:txBody>
+      </p:sp>
+      <p:sp>
+        <p:nvSpPr>
+          <p:cNvPr id="3" name="Content Placeholder 2">
+            <a:extLst>
+              <a:ext uri="{FF2B5EF4-FFF2-40B4-BE49-F238E27FC236}">
+                <a16:creationId xmlns:a16="http://schemas.microsoft.com/office/drawing/2014/main" id="{CD37B1C8-66F3-2205-F16A-2DBFDF4EF12F}"/>
+              </a:ext>
+            </a:extLst>
+          </p:cNvPr>
+          <p:cNvSpPr>
+            <a:spLocks noGrp="1"/>
+          </p:cNvSpPr>
+          <p:nvPr>
+            <p:ph idx="1"/>
+          </p:nvPr>
+        </p:nvSpPr>
+        <p:spPr/>
+        <p:txBody>
+          <a:bodyPr/>
+          <a:lstStyle/>
+          <a:p>
+            <a:r>
+              <a:rPr lang="en-GB" dirty="0"/>
+              <a:t>You can also send arguments with the </a:t>
+            </a:r>
+            <a:r>
+              <a:rPr lang="en-GB" i="1" dirty="0"/>
+              <a:t>key</a:t>
+            </a:r>
+            <a:r>
+              <a:rPr lang="en-GB" dirty="0"/>
+              <a:t> = </a:t>
+            </a:r>
+            <a:r>
+              <a:rPr lang="en-GB" i="1" dirty="0"/>
+              <a:t>value</a:t>
+            </a:r>
+            <a:r>
+              <a:rPr lang="en-GB" dirty="0"/>
+              <a:t> syntax. This way the order of the arguments does not matter</a:t>
+            </a:r>
+          </a:p>
+          <a:p>
+            <a:r>
+              <a:rPr lang="en-GB" dirty="0"/>
+              <a:t>**</a:t>
+            </a:r>
+            <a:r>
+              <a:rPr lang="en-GB" dirty="0" err="1"/>
+              <a:t>kwargs</a:t>
+            </a:r>
+            <a:r>
+              <a:rPr lang="en-GB" dirty="0"/>
+              <a:t> allows you to pass </a:t>
+            </a:r>
+            <a:r>
+              <a:rPr lang="en-GB" b="1" dirty="0"/>
+              <a:t>keyworded</a:t>
+            </a:r>
+            <a:r>
+              <a:rPr lang="en-GB" dirty="0"/>
+              <a:t> variable length of arguments to a function. You should use **</a:t>
+            </a:r>
+            <a:r>
+              <a:rPr lang="en-GB" dirty="0" err="1"/>
+              <a:t>kwargs</a:t>
+            </a:r>
+            <a:r>
+              <a:rPr lang="en-GB" dirty="0"/>
+              <a:t> if you want to handle </a:t>
+            </a:r>
+            <a:r>
+              <a:rPr lang="en-GB" b="1" dirty="0"/>
+              <a:t>named arguments</a:t>
+            </a:r>
+            <a:r>
+              <a:rPr lang="en-GB" dirty="0"/>
+              <a:t> in a function.</a:t>
+            </a:r>
+          </a:p>
+          <a:p>
+            <a:pPr marL="0" indent="0">
+              <a:buNone/>
+            </a:pPr>
+            <a:r>
+              <a:rPr lang="en-GB" b="1" dirty="0"/>
+              <a:t>def</a:t>
+            </a:r>
+            <a:r>
+              <a:rPr lang="en-GB" dirty="0"/>
+              <a:t> </a:t>
+            </a:r>
+            <a:r>
+              <a:rPr lang="en-GB" dirty="0" err="1"/>
+              <a:t>greet_me</a:t>
+            </a:r>
+            <a:r>
+              <a:rPr lang="en-GB" dirty="0"/>
+              <a:t>(**</a:t>
+            </a:r>
+            <a:r>
+              <a:rPr lang="en-GB" dirty="0" err="1"/>
+              <a:t>kwargs</a:t>
+            </a:r>
+            <a:r>
+              <a:rPr lang="en-GB" dirty="0"/>
+              <a:t>):</a:t>
+            </a:r>
+          </a:p>
+          <a:p>
+            <a:pPr marL="0" indent="0">
+              <a:buNone/>
+            </a:pPr>
+            <a:r>
+              <a:rPr lang="en-GB" b="1" dirty="0"/>
+              <a:t>    for</a:t>
+            </a:r>
+            <a:r>
+              <a:rPr lang="en-GB" dirty="0"/>
+              <a:t> key, value </a:t>
+            </a:r>
+            <a:r>
+              <a:rPr lang="en-GB" b="1" dirty="0"/>
+              <a:t>in</a:t>
+            </a:r>
+            <a:r>
+              <a:rPr lang="en-GB" dirty="0"/>
+              <a:t> </a:t>
+            </a:r>
+            <a:r>
+              <a:rPr lang="en-GB" dirty="0" err="1"/>
+              <a:t>kwargs.items</a:t>
+            </a:r>
+            <a:r>
+              <a:rPr lang="en-GB" dirty="0"/>
+              <a:t>():</a:t>
+            </a:r>
+          </a:p>
+          <a:p>
+            <a:pPr marL="0" indent="0">
+              <a:buNone/>
+            </a:pPr>
+            <a:r>
+              <a:rPr lang="en-GB" dirty="0"/>
+              <a:t>        print("</a:t>
+            </a:r>
+            <a:r>
+              <a:rPr lang="en-GB" i="1" dirty="0"/>
+              <a:t>{0}</a:t>
+            </a:r>
+            <a:r>
+              <a:rPr lang="en-GB" dirty="0"/>
+              <a:t> = </a:t>
+            </a:r>
+            <a:r>
+              <a:rPr lang="en-GB" i="1" dirty="0"/>
+              <a:t>{1}</a:t>
+            </a:r>
+            <a:r>
+              <a:rPr lang="en-GB" dirty="0"/>
+              <a:t>".format(key, value)) </a:t>
+            </a:r>
+          </a:p>
+          <a:p>
+            <a:pPr marL="0" indent="0">
+              <a:buNone/>
+            </a:pPr>
+            <a:endParaRPr lang="en-GB" dirty="0"/>
+          </a:p>
+          <a:p>
+            <a:pPr marL="0" indent="0">
+              <a:buNone/>
+            </a:pPr>
+            <a:r>
+              <a:rPr lang="en-GB" dirty="0"/>
+              <a:t>&gt;&gt;&gt; </a:t>
+            </a:r>
+            <a:r>
+              <a:rPr lang="en-GB" dirty="0" err="1"/>
+              <a:t>greet_me</a:t>
+            </a:r>
+            <a:r>
+              <a:rPr lang="en-GB" dirty="0"/>
+              <a:t>(name="</a:t>
+            </a:r>
+            <a:r>
+              <a:rPr lang="en-GB" dirty="0" err="1"/>
+              <a:t>yasoob</a:t>
+            </a:r>
+            <a:r>
+              <a:rPr lang="en-GB" dirty="0"/>
+              <a:t>") </a:t>
+            </a:r>
+          </a:p>
+          <a:p>
+            <a:pPr marL="0" indent="0">
+              <a:buNone/>
+            </a:pPr>
+            <a:r>
+              <a:rPr lang="en-GB" dirty="0"/>
+              <a:t>name = </a:t>
+            </a:r>
+            <a:r>
+              <a:rPr lang="en-GB" dirty="0" err="1"/>
+              <a:t>yasoob</a:t>
+            </a:r>
+            <a:endParaRPr lang="en-ES" dirty="0"/>
+          </a:p>
+        </p:txBody>
+      </p:sp>
+    </p:spTree>
+    <p:extLst>
+      <p:ext uri="{BB962C8B-B14F-4D97-AF65-F5344CB8AC3E}">
+        <p14:creationId xmlns:p14="http://schemas.microsoft.com/office/powerpoint/2010/main" val="2013674133"/>
+      </p:ext>
+    </p:extLst>
+  </p:cSld>
+  <p:clrMapOvr>
+    <a:masterClrMapping/>
+  </p:clrMapOvr>
+</p:sld>
+</file>
+
+<file path=ppt/slides/slide25.xml><?xml version="1.0" encoding="utf-8"?>
+<p:sld xmlns:a="http://schemas.openxmlformats.org/drawingml/2006/main" xmlns:r="http://schemas.openxmlformats.org/officeDocument/2006/relationships" xmlns:p="http://schemas.openxmlformats.org/presentationml/2006/main">
+  <p:cSld>
+    <p:spTree>
+      <p:nvGrpSpPr>
+        <p:cNvPr id="1" name=""/>
+        <p:cNvGrpSpPr/>
+        <p:nvPr/>
+      </p:nvGrpSpPr>
+      <p:grpSpPr>
+        <a:xfrm>
+          <a:off x="0" y="0"/>
+          <a:ext cx="0" cy="0"/>
+          <a:chOff x="0" y="0"/>
+          <a:chExt cx="0" cy="0"/>
+        </a:xfrm>
+      </p:grpSpPr>
+      <p:sp>
+        <p:nvSpPr>
           <p:cNvPr id="4" name="Title 3">
             <a:extLst>
               <a:ext uri="{FF2B5EF4-FFF2-40B4-BE49-F238E27FC236}">
@@ -7883,8 +8282,13 @@
             <a:pPr lvl="1"/>
             <a:r>
               <a:rPr lang="en-ES" dirty="0"/>
-              <a:t>Define variables, lists, dictionaries, tuples, and sets</a:t>
-            </a:r>
+              <a:t>Define variables, lists, dictionaries, tuples</a:t>
+            </a:r>
+            <a:r>
+              <a:rPr lang="en-ES"/>
+              <a:t>, sets, classes</a:t>
+            </a:r>
+            <a:endParaRPr lang="en-ES" dirty="0"/>
           </a:p>
           <a:p>
             <a:pPr lvl="1"/>
@@ -8008,7 +8412,15 @@
           <a:p>
             <a:r>
               <a:rPr lang="en-ES" dirty="0"/>
-              <a:t>IDEs, environments (anaconda), packages</a:t>
+              <a:t>IDEs</a:t>
+            </a:r>
+            <a:r>
+              <a:rPr lang="en-ES"/>
+              <a:t>, anaconda, </a:t>
+            </a:r>
+            <a:r>
+              <a:rPr lang="en-ES" dirty="0"/>
+              <a:t>packages</a:t>
             </a:r>
           </a:p>
           <a:p>
@@ -8120,10 +8532,15 @@
           </a:p>
           <a:p>
             <a:r>
-              <a:rPr lang="en-ES"/>
+              <a:rPr lang="en-ES" dirty="0"/>
               <a:t>Storing data</a:t>
             </a:r>
-            <a:endParaRPr lang="en-ES" dirty="0"/>
+          </a:p>
+          <a:p>
+            <a:r>
+              <a:rPr lang="en-ES" dirty="0"/>
+              <a:t>Classes</a:t>
+            </a:r>
           </a:p>
           <a:p>
             <a:r>
